--- a/ppt/MachineLearning11-MachineLearning.pptx
+++ b/ppt/MachineLearning11-MachineLearning.pptx
@@ -651,35 +651,35 @@
           <a:p>
             <a:pPr lvl="0"/>
             <a:r>
-              <a:rPr lang="fr-FR" noProof="0" smtClean="0"/>
+              <a:rPr lang="fr-FR" noProof="0"/>
               <a:t>Cliquez pour modifier les styles du texte du masque</a:t>
             </a:r>
           </a:p>
           <a:p>
             <a:pPr lvl="1"/>
             <a:r>
-              <a:rPr lang="fr-FR" noProof="0" smtClean="0"/>
+              <a:rPr lang="fr-FR" noProof="0"/>
               <a:t>Deuxième niveau</a:t>
             </a:r>
           </a:p>
           <a:p>
             <a:pPr lvl="2"/>
             <a:r>
-              <a:rPr lang="fr-FR" noProof="0" smtClean="0"/>
+              <a:rPr lang="fr-FR" noProof="0"/>
               <a:t>Troisième niveau</a:t>
             </a:r>
           </a:p>
           <a:p>
             <a:pPr lvl="3"/>
             <a:r>
-              <a:rPr lang="fr-FR" noProof="0" smtClean="0"/>
+              <a:rPr lang="fr-FR" noProof="0"/>
               <a:t>Quatrième niveau</a:t>
             </a:r>
           </a:p>
           <a:p>
             <a:pPr lvl="4"/>
             <a:r>
-              <a:rPr lang="fr-FR" noProof="0" smtClean="0"/>
+              <a:rPr lang="fr-FR" noProof="0"/>
               <a:t>Cinquième niveau</a:t>
             </a:r>
           </a:p>
@@ -967,10 +967,9 @@
           <a:lstStyle/>
           <a:p>
             <a:r>
-              <a:rPr lang="fr-FR" smtClean="0"/>
+              <a:rPr lang="fr-FR"/>
               <a:t>Cliquez pour modifier le style du titre</a:t>
             </a:r>
-            <a:endParaRPr lang="fr-FR"/>
           </a:p>
         </p:txBody>
       </p:sp>
@@ -1032,10 +1031,9 @@
           </a:lstStyle>
           <a:p>
             <a:r>
-              <a:rPr lang="fr-FR" smtClean="0"/>
+              <a:rPr lang="fr-FR"/>
               <a:t>Cliquez pour modifier le style des sous-titres du masque</a:t>
             </a:r>
-            <a:endParaRPr lang="fr-FR"/>
           </a:p>
         </p:txBody>
       </p:sp>
@@ -1090,10 +1088,9 @@
           <a:lstStyle/>
           <a:p>
             <a:r>
-              <a:rPr lang="fr-FR" smtClean="0"/>
+              <a:rPr lang="fr-FR"/>
               <a:t>Cliquez pour modifier le style du titre</a:t>
             </a:r>
-            <a:endParaRPr lang="fr-FR"/>
           </a:p>
         </p:txBody>
       </p:sp>
@@ -1119,38 +1116,37 @@
           <a:p>
             <a:pPr lvl="0"/>
             <a:r>
-              <a:rPr lang="fr-FR" smtClean="0"/>
+              <a:rPr lang="fr-FR"/>
               <a:t>Cliquez pour modifier les styles du texte du masque</a:t>
             </a:r>
           </a:p>
           <a:p>
             <a:pPr lvl="1"/>
             <a:r>
-              <a:rPr lang="fr-FR" smtClean="0"/>
+              <a:rPr lang="fr-FR"/>
               <a:t>Deuxième niveau</a:t>
             </a:r>
           </a:p>
           <a:p>
             <a:pPr lvl="2"/>
             <a:r>
-              <a:rPr lang="fr-FR" smtClean="0"/>
+              <a:rPr lang="fr-FR"/>
               <a:t>Troisième niveau</a:t>
             </a:r>
           </a:p>
           <a:p>
             <a:pPr lvl="3"/>
             <a:r>
-              <a:rPr lang="fr-FR" smtClean="0"/>
+              <a:rPr lang="fr-FR"/>
               <a:t>Quatrième niveau</a:t>
             </a:r>
           </a:p>
           <a:p>
             <a:pPr lvl="4"/>
             <a:r>
-              <a:rPr lang="fr-FR" smtClean="0"/>
+              <a:rPr lang="fr-FR"/>
               <a:t>Cinquième niveau</a:t>
             </a:r>
-            <a:endParaRPr lang="fr-FR"/>
           </a:p>
         </p:txBody>
       </p:sp>
@@ -1209,10 +1205,9 @@
           </a:lstStyle>
           <a:p>
             <a:r>
-              <a:rPr lang="fr-FR" dirty="0" smtClean="0"/>
+              <a:rPr lang="fr-FR" dirty="0"/>
               <a:t>Cliquez pour modifier le style du titre</a:t>
             </a:r>
-            <a:endParaRPr lang="fr-FR" dirty="0"/>
           </a:p>
         </p:txBody>
       </p:sp>
@@ -1238,38 +1233,37 @@
           <a:p>
             <a:pPr lvl="0"/>
             <a:r>
-              <a:rPr lang="fr-FR" dirty="0" smtClean="0"/>
+              <a:rPr lang="fr-FR" dirty="0"/>
               <a:t>Cliquez pour modifier les styles du texte du masque</a:t>
             </a:r>
           </a:p>
           <a:p>
             <a:pPr lvl="1"/>
             <a:r>
-              <a:rPr lang="fr-FR" dirty="0" smtClean="0"/>
+              <a:rPr lang="fr-FR" dirty="0"/>
               <a:t>Deuxième niveau</a:t>
             </a:r>
           </a:p>
           <a:p>
             <a:pPr lvl="2"/>
             <a:r>
-              <a:rPr lang="fr-FR" dirty="0" smtClean="0"/>
+              <a:rPr lang="fr-FR" dirty="0"/>
               <a:t>Troisième niveau</a:t>
             </a:r>
           </a:p>
           <a:p>
             <a:pPr lvl="3"/>
             <a:r>
-              <a:rPr lang="fr-FR" dirty="0" smtClean="0"/>
+              <a:rPr lang="fr-FR" dirty="0"/>
               <a:t>Quatrième niveau</a:t>
             </a:r>
           </a:p>
           <a:p>
             <a:pPr lvl="4"/>
             <a:r>
-              <a:rPr lang="fr-FR" dirty="0" smtClean="0"/>
+              <a:rPr lang="fr-FR" dirty="0"/>
               <a:t>Cinquième niveau</a:t>
             </a:r>
-            <a:endParaRPr lang="fr-FR" dirty="0"/>
           </a:p>
         </p:txBody>
       </p:sp>
@@ -1319,10 +1313,9 @@
           <a:lstStyle/>
           <a:p>
             <a:r>
-              <a:rPr lang="fr-FR" smtClean="0"/>
+              <a:rPr lang="fr-FR"/>
               <a:t>Cliquez pour modifier le style du titre</a:t>
             </a:r>
-            <a:endParaRPr lang="fr-FR"/>
           </a:p>
         </p:txBody>
       </p:sp>
@@ -1376,38 +1369,37 @@
           <a:p>
             <a:pPr lvl="0"/>
             <a:r>
-              <a:rPr lang="fr-FR" smtClean="0"/>
+              <a:rPr lang="fr-FR"/>
               <a:t>Cliquez pour modifier les styles du texte du masque</a:t>
             </a:r>
           </a:p>
           <a:p>
             <a:pPr lvl="1"/>
             <a:r>
-              <a:rPr lang="fr-FR" smtClean="0"/>
+              <a:rPr lang="fr-FR"/>
               <a:t>Deuxième niveau</a:t>
             </a:r>
           </a:p>
           <a:p>
             <a:pPr lvl="2"/>
             <a:r>
-              <a:rPr lang="fr-FR" smtClean="0"/>
+              <a:rPr lang="fr-FR"/>
               <a:t>Troisième niveau</a:t>
             </a:r>
           </a:p>
           <a:p>
             <a:pPr lvl="3"/>
             <a:r>
-              <a:rPr lang="fr-FR" smtClean="0"/>
+              <a:rPr lang="fr-FR"/>
               <a:t>Quatrième niveau</a:t>
             </a:r>
           </a:p>
           <a:p>
             <a:pPr lvl="4"/>
             <a:r>
-              <a:rPr lang="fr-FR" smtClean="0"/>
+              <a:rPr lang="fr-FR"/>
               <a:t>Cinquième niveau</a:t>
             </a:r>
-            <a:endParaRPr lang="fr-FR"/>
           </a:p>
         </p:txBody>
       </p:sp>
@@ -1461,38 +1453,37 @@
           <a:p>
             <a:pPr lvl="0"/>
             <a:r>
-              <a:rPr lang="fr-FR" smtClean="0"/>
+              <a:rPr lang="fr-FR"/>
               <a:t>Cliquez pour modifier les styles du texte du masque</a:t>
             </a:r>
           </a:p>
           <a:p>
             <a:pPr lvl="1"/>
             <a:r>
-              <a:rPr lang="fr-FR" smtClean="0"/>
+              <a:rPr lang="fr-FR"/>
               <a:t>Deuxième niveau</a:t>
             </a:r>
           </a:p>
           <a:p>
             <a:pPr lvl="2"/>
             <a:r>
-              <a:rPr lang="fr-FR" smtClean="0"/>
+              <a:rPr lang="fr-FR"/>
               <a:t>Troisième niveau</a:t>
             </a:r>
           </a:p>
           <a:p>
             <a:pPr lvl="3"/>
             <a:r>
-              <a:rPr lang="fr-FR" smtClean="0"/>
+              <a:rPr lang="fr-FR"/>
               <a:t>Quatrième niveau</a:t>
             </a:r>
           </a:p>
           <a:p>
             <a:pPr lvl="4"/>
             <a:r>
-              <a:rPr lang="fr-FR" smtClean="0"/>
+              <a:rPr lang="fr-FR"/>
               <a:t>Cinquième niveau</a:t>
             </a:r>
-            <a:endParaRPr lang="fr-FR"/>
           </a:p>
         </p:txBody>
       </p:sp>
@@ -1551,10 +1542,9 @@
           </a:lstStyle>
           <a:p>
             <a:r>
-              <a:rPr lang="fr-FR" smtClean="0"/>
+              <a:rPr lang="fr-FR"/>
               <a:t>Cliquez pour modifier le style du titre</a:t>
             </a:r>
-            <a:endParaRPr lang="fr-FR"/>
           </a:p>
         </p:txBody>
       </p:sp>
@@ -1617,7 +1607,7 @@
           <a:p>
             <a:pPr lvl="0"/>
             <a:r>
-              <a:rPr lang="fr-FR" smtClean="0"/>
+              <a:rPr lang="fr-FR"/>
               <a:t>Cliquez pour modifier les styles du texte du masque</a:t>
             </a:r>
           </a:p>
@@ -1673,38 +1663,37 @@
           <a:p>
             <a:pPr lvl="0"/>
             <a:r>
-              <a:rPr lang="fr-FR" smtClean="0"/>
+              <a:rPr lang="fr-FR"/>
               <a:t>Cliquez pour modifier les styles du texte du masque</a:t>
             </a:r>
           </a:p>
           <a:p>
             <a:pPr lvl="1"/>
             <a:r>
-              <a:rPr lang="fr-FR" smtClean="0"/>
+              <a:rPr lang="fr-FR"/>
               <a:t>Deuxième niveau</a:t>
             </a:r>
           </a:p>
           <a:p>
             <a:pPr lvl="2"/>
             <a:r>
-              <a:rPr lang="fr-FR" smtClean="0"/>
+              <a:rPr lang="fr-FR"/>
               <a:t>Troisième niveau</a:t>
             </a:r>
           </a:p>
           <a:p>
             <a:pPr lvl="3"/>
             <a:r>
-              <a:rPr lang="fr-FR" smtClean="0"/>
+              <a:rPr lang="fr-FR"/>
               <a:t>Quatrième niveau</a:t>
             </a:r>
           </a:p>
           <a:p>
             <a:pPr lvl="4"/>
             <a:r>
-              <a:rPr lang="fr-FR" smtClean="0"/>
+              <a:rPr lang="fr-FR"/>
               <a:t>Cinquième niveau</a:t>
             </a:r>
-            <a:endParaRPr lang="fr-FR"/>
           </a:p>
         </p:txBody>
       </p:sp>
@@ -1767,7 +1756,7 @@
           <a:p>
             <a:pPr lvl="0"/>
             <a:r>
-              <a:rPr lang="fr-FR" smtClean="0"/>
+              <a:rPr lang="fr-FR"/>
               <a:t>Cliquez pour modifier les styles du texte du masque</a:t>
             </a:r>
           </a:p>
@@ -1823,38 +1812,37 @@
           <a:p>
             <a:pPr lvl="0"/>
             <a:r>
-              <a:rPr lang="fr-FR" smtClean="0"/>
+              <a:rPr lang="fr-FR"/>
               <a:t>Cliquez pour modifier les styles du texte du masque</a:t>
             </a:r>
           </a:p>
           <a:p>
             <a:pPr lvl="1"/>
             <a:r>
-              <a:rPr lang="fr-FR" smtClean="0"/>
+              <a:rPr lang="fr-FR"/>
               <a:t>Deuxième niveau</a:t>
             </a:r>
           </a:p>
           <a:p>
             <a:pPr lvl="2"/>
             <a:r>
-              <a:rPr lang="fr-FR" smtClean="0"/>
+              <a:rPr lang="fr-FR"/>
               <a:t>Troisième niveau</a:t>
             </a:r>
           </a:p>
           <a:p>
             <a:pPr lvl="3"/>
             <a:r>
-              <a:rPr lang="fr-FR" smtClean="0"/>
+              <a:rPr lang="fr-FR"/>
               <a:t>Quatrième niveau</a:t>
             </a:r>
           </a:p>
           <a:p>
             <a:pPr lvl="4"/>
             <a:r>
-              <a:rPr lang="fr-FR" smtClean="0"/>
+              <a:rPr lang="fr-FR"/>
               <a:t>Cinquième niveau</a:t>
             </a:r>
-            <a:endParaRPr lang="fr-FR"/>
           </a:p>
         </p:txBody>
       </p:sp>
@@ -1904,10 +1892,9 @@
           <a:lstStyle/>
           <a:p>
             <a:r>
-              <a:rPr lang="fr-FR" smtClean="0"/>
+              <a:rPr lang="fr-FR"/>
               <a:t>Cliquez pour modifier le style du titre</a:t>
             </a:r>
-            <a:endParaRPr lang="fr-FR"/>
           </a:p>
         </p:txBody>
       </p:sp>
@@ -1996,10 +1983,9 @@
           </a:lstStyle>
           <a:p>
             <a:r>
-              <a:rPr lang="fr-FR" smtClean="0"/>
+              <a:rPr lang="fr-FR"/>
               <a:t>Cliquez pour modifier le style du titre</a:t>
             </a:r>
-            <a:endParaRPr lang="fr-FR"/>
           </a:p>
         </p:txBody>
       </p:sp>
@@ -2053,38 +2039,37 @@
           <a:p>
             <a:pPr lvl="0"/>
             <a:r>
-              <a:rPr lang="fr-FR" smtClean="0"/>
+              <a:rPr lang="fr-FR"/>
               <a:t>Cliquez pour modifier les styles du texte du masque</a:t>
             </a:r>
           </a:p>
           <a:p>
             <a:pPr lvl="1"/>
             <a:r>
-              <a:rPr lang="fr-FR" smtClean="0"/>
+              <a:rPr lang="fr-FR"/>
               <a:t>Deuxième niveau</a:t>
             </a:r>
           </a:p>
           <a:p>
             <a:pPr lvl="2"/>
             <a:r>
-              <a:rPr lang="fr-FR" smtClean="0"/>
+              <a:rPr lang="fr-FR"/>
               <a:t>Troisième niveau</a:t>
             </a:r>
           </a:p>
           <a:p>
             <a:pPr lvl="3"/>
             <a:r>
-              <a:rPr lang="fr-FR" smtClean="0"/>
+              <a:rPr lang="fr-FR"/>
               <a:t>Quatrième niveau</a:t>
             </a:r>
           </a:p>
           <a:p>
             <a:pPr lvl="4"/>
             <a:r>
-              <a:rPr lang="fr-FR" smtClean="0"/>
+              <a:rPr lang="fr-FR"/>
               <a:t>Cinquième niveau</a:t>
             </a:r>
-            <a:endParaRPr lang="fr-FR"/>
           </a:p>
         </p:txBody>
       </p:sp>
@@ -2147,7 +2132,7 @@
           <a:p>
             <a:pPr lvl="0"/>
             <a:r>
-              <a:rPr lang="fr-FR" smtClean="0"/>
+              <a:rPr lang="fr-FR"/>
               <a:t>Cliquez pour modifier les styles du texte du masque</a:t>
             </a:r>
           </a:p>
@@ -2208,10 +2193,9 @@
           </a:lstStyle>
           <a:p>
             <a:r>
-              <a:rPr lang="fr-FR" smtClean="0"/>
+              <a:rPr lang="fr-FR"/>
               <a:t>Cliquez pour modifier le style du titre</a:t>
             </a:r>
-            <a:endParaRPr lang="fr-FR"/>
           </a:p>
         </p:txBody>
       </p:sp>
@@ -2273,7 +2257,7 @@
           </a:lstStyle>
           <a:p>
             <a:pPr lvl="0"/>
-            <a:endParaRPr lang="fr-FR" noProof="0" smtClean="0"/>
+            <a:endParaRPr lang="fr-FR" noProof="0"/>
           </a:p>
         </p:txBody>
       </p:sp>
@@ -2336,7 +2320,7 @@
           <a:p>
             <a:pPr lvl="0"/>
             <a:r>
-              <a:rPr lang="fr-FR" smtClean="0"/>
+              <a:rPr lang="fr-FR"/>
               <a:t>Cliquez pour modifier les styles du texte du masque</a:t>
             </a:r>
           </a:p>
@@ -2388,10 +2372,9 @@
           <a:lstStyle/>
           <a:p>
             <a:r>
-              <a:rPr lang="fr-FR" smtClean="0"/>
+              <a:rPr lang="fr-FR"/>
               <a:t>Cliquez pour modifier le style du titre</a:t>
             </a:r>
-            <a:endParaRPr lang="fr-FR"/>
           </a:p>
         </p:txBody>
       </p:sp>
@@ -2412,38 +2395,37 @@
           <a:p>
             <a:pPr lvl="0"/>
             <a:r>
-              <a:rPr lang="fr-FR" smtClean="0"/>
+              <a:rPr lang="fr-FR"/>
               <a:t>Cliquez pour modifier les styles du texte du masque</a:t>
             </a:r>
           </a:p>
           <a:p>
             <a:pPr lvl="1"/>
             <a:r>
-              <a:rPr lang="fr-FR" smtClean="0"/>
+              <a:rPr lang="fr-FR"/>
               <a:t>Deuxième niveau</a:t>
             </a:r>
           </a:p>
           <a:p>
             <a:pPr lvl="2"/>
             <a:r>
-              <a:rPr lang="fr-FR" smtClean="0"/>
+              <a:rPr lang="fr-FR"/>
               <a:t>Troisième niveau</a:t>
             </a:r>
           </a:p>
           <a:p>
             <a:pPr lvl="3"/>
             <a:r>
-              <a:rPr lang="fr-FR" smtClean="0"/>
+              <a:rPr lang="fr-FR"/>
               <a:t>Quatrième niveau</a:t>
             </a:r>
           </a:p>
           <a:p>
             <a:pPr lvl="4"/>
             <a:r>
-              <a:rPr lang="fr-FR" smtClean="0"/>
+              <a:rPr lang="fr-FR"/>
               <a:t>Cinquième niveau</a:t>
             </a:r>
-            <a:endParaRPr lang="fr-FR"/>
           </a:p>
         </p:txBody>
       </p:sp>
@@ -2624,7 +2606,7 @@
             <a:pPr eaLnBrk="1" hangingPunct="1">
               <a:defRPr/>
             </a:pPr>
-            <a:endParaRPr lang="fr-FR" altLang="fr-FR" smtClean="0"/>
+            <a:endParaRPr lang="fr-FR" altLang="fr-FR"/>
           </a:p>
         </p:txBody>
       </p:sp>
@@ -2778,7 +2760,7 @@
               <a:defRPr/>
             </a:pPr>
             <a:r>
-              <a:rPr lang="fr-FR" sz="1200" dirty="0" smtClean="0"/>
+              <a:rPr lang="fr-FR" sz="1200" dirty="0"/>
               <a:t>Page </a:t>
             </a:r>
             <a:fld id="{E218E9B1-FD08-4C80-902E-210BA2967D0D}" type="slidenum">
@@ -2791,7 +2773,7 @@
               </a:pPr>
               <a:t>‹N°›</a:t>
             </a:fld>
-            <a:endParaRPr lang="fr-FR" dirty="0" smtClean="0">
+            <a:endParaRPr lang="fr-FR" dirty="0">
               <a:latin typeface="Times New Roman" pitchFamily="18" charset="0"/>
             </a:endParaRPr>
           </a:p>
@@ -2947,10 +2929,10 @@
               <a:defRPr/>
             </a:pPr>
             <a:r>
-              <a:rPr lang="fr-FR" sz="1600" dirty="0" smtClean="0"/>
+              <a:rPr lang="fr-FR" sz="1600" dirty="0"/>
               <a:t>Python</a:t>
             </a:r>
-            <a:endParaRPr lang="fr-FR" dirty="0" smtClean="0">
+            <a:endParaRPr lang="fr-FR" dirty="0">
               <a:latin typeface="Times New Roman" pitchFamily="18" charset="0"/>
             </a:endParaRPr>
           </a:p>
@@ -3008,7 +2990,7 @@
           <a:p>
             <a:pPr lvl="0"/>
             <a:r>
-              <a:rPr lang="fr-FR" altLang="fr-FR" smtClean="0"/>
+              <a:rPr lang="fr-FR" altLang="fr-FR"/>
               <a:t>Cliquez pour modifier le style du titre du masque</a:t>
             </a:r>
           </a:p>
@@ -3066,35 +3048,35 @@
           <a:p>
             <a:pPr lvl="0"/>
             <a:r>
-              <a:rPr lang="fr-FR" altLang="fr-FR" smtClean="0"/>
+              <a:rPr lang="fr-FR" altLang="fr-FR"/>
               <a:t>Cliquez pour modifier les styles du texte du masque</a:t>
             </a:r>
           </a:p>
           <a:p>
             <a:pPr lvl="1"/>
             <a:r>
-              <a:rPr lang="fr-FR" altLang="fr-FR" smtClean="0"/>
+              <a:rPr lang="fr-FR" altLang="fr-FR"/>
               <a:t>Deuxième niveau</a:t>
             </a:r>
           </a:p>
           <a:p>
             <a:pPr lvl="2"/>
             <a:r>
-              <a:rPr lang="fr-FR" altLang="fr-FR" smtClean="0"/>
+              <a:rPr lang="fr-FR" altLang="fr-FR"/>
               <a:t>Troisième niveau</a:t>
             </a:r>
           </a:p>
           <a:p>
             <a:pPr lvl="3"/>
             <a:r>
-              <a:rPr lang="fr-FR" altLang="fr-FR" smtClean="0"/>
+              <a:rPr lang="fr-FR" altLang="fr-FR"/>
               <a:t>Quatrième niveau</a:t>
             </a:r>
           </a:p>
           <a:p>
             <a:pPr lvl="4"/>
             <a:r>
-              <a:rPr lang="fr-FR" altLang="fr-FR" smtClean="0"/>
+              <a:rPr lang="fr-FR" altLang="fr-FR"/>
               <a:t>Cinquième niveau</a:t>
             </a:r>
           </a:p>
@@ -3250,10 +3232,10 @@
               <a:defRPr/>
             </a:pPr>
             <a:r>
-              <a:rPr lang="fr-FR" sz="1200" smtClean="0"/>
+              <a:rPr lang="fr-FR" sz="1200"/>
               <a:t>© Cyril Vincent Conseil</a:t>
             </a:r>
-            <a:endParaRPr lang="fr-FR" smtClean="0">
+            <a:endParaRPr lang="fr-FR">
               <a:latin typeface="Times New Roman" pitchFamily="18" charset="0"/>
             </a:endParaRPr>
           </a:p>
@@ -3735,14 +3717,14 @@
           <a:p>
             <a:pPr eaLnBrk="1" hangingPunct="1"/>
             <a:r>
-              <a:rPr lang="fr-FR" altLang="fr-FR" dirty="0" smtClean="0"/>
+              <a:rPr lang="fr-FR" altLang="fr-FR" dirty="0"/>
               <a:t>Chapitre 7</a:t>
             </a:r>
           </a:p>
           <a:p>
             <a:pPr eaLnBrk="1" hangingPunct="1"/>
             <a:r>
-              <a:rPr lang="fr-FR" altLang="fr-FR" dirty="0" smtClean="0"/>
+              <a:rPr lang="fr-FR" altLang="fr-FR" dirty="0"/>
               <a:t>Machine Learning</a:t>
             </a:r>
           </a:p>
@@ -3795,10 +3777,9 @@
           <a:lstStyle/>
           <a:p>
             <a:r>
-              <a:rPr lang="fr-FR" sz="3600" dirty="0" smtClean="0"/>
+              <a:rPr lang="fr-FR" sz="3600" dirty="0"/>
               <a:t>Data Science</a:t>
             </a:r>
-            <a:endParaRPr lang="fr-FR" sz="3600" dirty="0"/>
           </a:p>
         </p:txBody>
       </p:sp>
@@ -3807,13 +3788,6 @@
   <p:clrMapOvr>
     <a:masterClrMapping/>
   </p:clrMapOvr>
-  <p:timing>
-    <p:tnLst>
-      <p:par>
-        <p:cTn id="1" dur="indefinite" restart="never" nodeType="tmRoot"/>
-      </p:par>
-    </p:tnLst>
-  </p:timing>
 </p:sld>
 </file>
 
@@ -3850,10 +3824,9 @@
           <a:lstStyle/>
           <a:p>
             <a:r>
-              <a:rPr lang="fr-FR" dirty="0" smtClean="0"/>
+              <a:rPr lang="fr-FR" dirty="0"/>
               <a:t>Classification</a:t>
             </a:r>
-            <a:endParaRPr lang="fr-FR" dirty="0"/>
           </a:p>
         </p:txBody>
       </p:sp>
@@ -3882,51 +3855,27 @@
             </a:r>
             <a:r>
               <a:rPr lang="fr-FR" dirty="0"/>
-              <a:t> est le type de sortie que l'on attend de notre </a:t>
-            </a:r>
-            <a:r>
-              <a:rPr lang="fr-FR" dirty="0" smtClean="0"/>
-              <a:t>programme</a:t>
+              <a:t> est le type de sortie que l'on attend de notre programme</a:t>
             </a:r>
           </a:p>
           <a:p>
             <a:pPr lvl="1"/>
             <a:r>
-              <a:rPr lang="fr-FR" dirty="0" smtClean="0"/>
-              <a:t>Est-ce </a:t>
-            </a:r>
-            <a:r>
-              <a:rPr lang="fr-FR" dirty="0"/>
-              <a:t>une valeur continue (un </a:t>
-            </a:r>
-            <a:r>
-              <a:rPr lang="fr-FR" dirty="0" smtClean="0"/>
-              <a:t>nombre)</a:t>
+              <a:rPr lang="fr-FR" dirty="0"/>
+              <a:t>Est-ce une valeur continue (un nombre)</a:t>
             </a:r>
           </a:p>
           <a:p>
             <a:pPr lvl="1"/>
             <a:r>
-              <a:rPr lang="fr-FR" dirty="0" smtClean="0"/>
-              <a:t>ou </a:t>
-            </a:r>
-            <a:r>
-              <a:rPr lang="fr-FR" dirty="0"/>
-              <a:t>bien une valeur discrète (une catégorie) </a:t>
-            </a:r>
-            <a:r>
-              <a:rPr lang="fr-FR" dirty="0" smtClean="0"/>
-              <a:t>?</a:t>
-            </a:r>
-          </a:p>
-          <a:p>
-            <a:r>
-              <a:rPr lang="fr-FR" dirty="0" smtClean="0"/>
-              <a:t>Le </a:t>
-            </a:r>
-            <a:r>
-              <a:rPr lang="fr-FR" dirty="0"/>
-              <a:t>premier cas est appelé une régression, le second une classification</a:t>
+              <a:rPr lang="fr-FR" dirty="0"/>
+              <a:t>ou bien une valeur discrète (une catégorie) ?</a:t>
+            </a:r>
+          </a:p>
+          <a:p>
+            <a:r>
+              <a:rPr lang="fr-FR" dirty="0"/>
+              <a:t>Le premier cas est appelé une régression, le second une classification</a:t>
             </a:r>
           </a:p>
         </p:txBody>
@@ -4018,10 +3967,9 @@
           <a:lstStyle/>
           <a:p>
             <a:r>
-              <a:rPr lang="fr-FR" dirty="0" smtClean="0"/>
+              <a:rPr lang="fr-FR" dirty="0"/>
               <a:t>Trouver le bon modèle</a:t>
             </a:r>
-            <a:endParaRPr lang="fr-FR" dirty="0"/>
           </a:p>
         </p:txBody>
       </p:sp>
@@ -4042,29 +3990,13 @@
           <a:p>
             <a:r>
               <a:rPr lang="fr-FR" dirty="0"/>
-              <a:t>Pour résumer, le travail de modélisation consiste à trouver le bon modèle statistique </a:t>
-            </a:r>
-            <a:r>
-              <a:rPr lang="fr-FR" dirty="0" smtClean="0"/>
-              <a:t>qui </a:t>
-            </a:r>
-            <a:r>
-              <a:rPr lang="fr-FR" dirty="0"/>
-              <a:t>colle le mieux aux données </a:t>
-            </a:r>
-            <a:r>
-              <a:rPr lang="fr-FR" dirty="0" smtClean="0"/>
-              <a:t>d'exemple</a:t>
-            </a:r>
-          </a:p>
-          <a:p>
-            <a:r>
-              <a:rPr lang="fr-FR" dirty="0" smtClean="0"/>
-              <a:t>Le </a:t>
-            </a:r>
-            <a:r>
-              <a:rPr lang="fr-FR" dirty="0"/>
-              <a:t>machine </a:t>
+              <a:t>Pour résumer, le travail de modélisation consiste à trouver le bon modèle statistique qui colle le mieux aux données d'exemple</a:t>
+            </a:r>
+          </a:p>
+          <a:p>
+            <a:r>
+              <a:rPr lang="fr-FR" dirty="0"/>
+              <a:t>Le machine </a:t>
             </a:r>
             <a:r>
               <a:rPr lang="fr-FR" dirty="0" err="1"/>
@@ -4072,20 +4004,16 @@
             </a:r>
             <a:r>
               <a:rPr lang="fr-FR" dirty="0"/>
-              <a:t> en particulier intervient pour trouver ce modèle de manière </a:t>
-            </a:r>
-            <a:r>
-              <a:rPr lang="fr-FR" dirty="0" smtClean="0"/>
-              <a:t>automatisée</a:t>
-            </a:r>
-          </a:p>
-          <a:p>
-            <a:r>
-              <a:rPr lang="fr-FR" dirty="0" smtClean="0"/>
+              <a:t> en particulier intervient pour trouver ce modèle de manière automatisée</a:t>
+            </a:r>
+          </a:p>
+          <a:p>
+            <a:r>
+              <a:rPr lang="fr-FR" dirty="0"/>
               <a:t>Problème du quartet d’</a:t>
             </a:r>
             <a:r>
-              <a:rPr lang="fr-FR" dirty="0" err="1" smtClean="0"/>
+              <a:rPr lang="fr-FR" dirty="0" err="1"/>
               <a:t>Ascombe</a:t>
             </a:r>
             <a:endParaRPr lang="fr-FR" dirty="0"/>
@@ -4138,11 +4066,11 @@
           <a:lstStyle/>
           <a:p>
             <a:r>
-              <a:rPr lang="fr-FR" dirty="0" smtClean="0"/>
+              <a:rPr lang="fr-FR" dirty="0"/>
               <a:t>Quartet d’</a:t>
             </a:r>
             <a:r>
-              <a:rPr lang="fr-FR" dirty="0" err="1" smtClean="0"/>
+              <a:rPr lang="fr-FR" dirty="0" err="1"/>
               <a:t>Ascombe</a:t>
             </a:r>
             <a:endParaRPr lang="fr-FR" dirty="0"/>
@@ -4165,17 +4093,16 @@
           <a:lstStyle/>
           <a:p>
             <a:r>
-              <a:rPr lang="fr-FR" dirty="0" smtClean="0"/>
+              <a:rPr lang="fr-FR" dirty="0"/>
               <a:t>Ces 4 modèles possède la même régression linéaire</a:t>
             </a:r>
           </a:p>
           <a:p>
             <a:pPr lvl="1"/>
             <a:r>
-              <a:rPr lang="fr-FR" dirty="0" smtClean="0"/>
+              <a:rPr lang="fr-FR" dirty="0"/>
               <a:t>Trouver les erreurs</a:t>
             </a:r>
-            <a:endParaRPr lang="fr-FR" dirty="0"/>
           </a:p>
         </p:txBody>
       </p:sp>
@@ -4266,10 +4193,9 @@
           <a:lstStyle/>
           <a:p>
             <a:r>
-              <a:rPr lang="fr-FR" dirty="0" smtClean="0"/>
+              <a:rPr lang="fr-FR" dirty="0"/>
               <a:t>La régression n’est pas tous les temps linéaire</a:t>
             </a:r>
-            <a:endParaRPr lang="fr-FR" dirty="0"/>
           </a:p>
         </p:txBody>
       </p:sp>
@@ -4289,10 +4215,9 @@
           <a:lstStyle/>
           <a:p>
             <a:r>
-              <a:rPr lang="fr-FR" dirty="0" smtClean="0"/>
+              <a:rPr lang="fr-FR" dirty="0"/>
               <a:t>Dans cette exemple il est impossible de faire filer une droite</a:t>
             </a:r>
-            <a:endParaRPr lang="fr-FR" dirty="0"/>
           </a:p>
         </p:txBody>
       </p:sp>
@@ -4383,10 +4308,9 @@
           <a:lstStyle/>
           <a:p>
             <a:r>
-              <a:rPr lang="fr-FR" dirty="0" smtClean="0"/>
+              <a:rPr lang="fr-FR" dirty="0"/>
               <a:t>Les différents types de régression</a:t>
             </a:r>
-            <a:endParaRPr lang="fr-FR" dirty="0"/>
           </a:p>
         </p:txBody>
       </p:sp>
@@ -4406,7 +4330,7 @@
           <a:lstStyle/>
           <a:p>
             <a:r>
-              <a:rPr lang="fr-FR" dirty="0" smtClean="0"/>
+              <a:rPr lang="fr-FR" dirty="0"/>
               <a:t>Linéaire</a:t>
             </a:r>
           </a:p>
@@ -4414,32 +4338,27 @@
             <a:pPr lvl="1"/>
             <a:r>
               <a:rPr lang="fr-FR" dirty="0"/>
-              <a:t>f</a:t>
-            </a:r>
-            <a:r>
-              <a:rPr lang="fr-FR" dirty="0" smtClean="0"/>
-              <a:t> = </a:t>
-            </a:r>
-            <a:r>
-              <a:rPr lang="fr-FR" dirty="0" err="1" smtClean="0"/>
+              <a:t>f = </a:t>
+            </a:r>
+            <a:r>
+              <a:rPr lang="fr-FR" dirty="0" err="1"/>
               <a:t>ax</a:t>
             </a:r>
             <a:r>
-              <a:rPr lang="fr-FR" dirty="0" smtClean="0"/>
+              <a:rPr lang="fr-FR" dirty="0"/>
               <a:t>  + b</a:t>
             </a:r>
           </a:p>
           <a:p>
             <a:pPr lvl="1"/>
             <a:r>
-              <a:rPr lang="fr-FR" dirty="0" smtClean="0"/>
+              <a:rPr lang="fr-FR" dirty="0"/>
               <a:t>Moyenne est un cas particulier : f = mx</a:t>
             </a:r>
-            <a:endParaRPr lang="fr-FR" dirty="0"/>
-          </a:p>
-          <a:p>
-            <a:r>
-              <a:rPr lang="fr-FR" dirty="0" smtClean="0"/>
+          </a:p>
+          <a:p>
+            <a:r>
+              <a:rPr lang="fr-FR" dirty="0"/>
               <a:t>Second degré (binomiale)</a:t>
             </a:r>
           </a:p>
@@ -4447,32 +4366,28 @@
             <a:pPr lvl="1"/>
             <a:r>
               <a:rPr lang="fr-FR" dirty="0"/>
-              <a:t>f</a:t>
-            </a:r>
-            <a:r>
-              <a:rPr lang="fr-FR" dirty="0" smtClean="0"/>
-              <a:t> = ax² + </a:t>
-            </a:r>
-            <a:r>
-              <a:rPr lang="fr-FR" dirty="0" err="1" smtClean="0"/>
+              <a:t>f = ax² + </a:t>
+            </a:r>
+            <a:r>
+              <a:rPr lang="fr-FR" dirty="0" err="1"/>
               <a:t>bx</a:t>
             </a:r>
             <a:r>
-              <a:rPr lang="fr-FR" dirty="0" smtClean="0"/>
+              <a:rPr lang="fr-FR" dirty="0"/>
               <a:t> + c</a:t>
             </a:r>
           </a:p>
           <a:p>
             <a:r>
-              <a:rPr lang="fr-FR" dirty="0" smtClean="0"/>
+              <a:rPr lang="fr-FR" dirty="0"/>
               <a:t>Troisième degré (</a:t>
             </a:r>
             <a:r>
-              <a:rPr lang="fr-FR" dirty="0" err="1" smtClean="0"/>
+              <a:rPr lang="fr-FR" dirty="0" err="1"/>
               <a:t>trinomiale</a:t>
             </a:r>
             <a:r>
-              <a:rPr lang="fr-FR" dirty="0" smtClean="0"/>
+              <a:rPr lang="fr-FR" dirty="0"/>
               <a:t>)</a:t>
             </a:r>
           </a:p>
@@ -4480,11 +4395,7 @@
             <a:pPr lvl="1"/>
             <a:r>
               <a:rPr lang="fr-FR" dirty="0"/>
-              <a:t>f</a:t>
-            </a:r>
-            <a:r>
-              <a:rPr lang="fr-FR" dirty="0" smtClean="0"/>
-              <a:t> = ax3 + bx² + cx + d</a:t>
+              <a:t>f = ax3 + bx² + cx + d</a:t>
             </a:r>
           </a:p>
         </p:txBody>
@@ -4583,10 +4494,9 @@
           <a:lstStyle/>
           <a:p>
             <a:r>
-              <a:rPr lang="fr-FR" dirty="0" smtClean="0"/>
+              <a:rPr lang="fr-FR" dirty="0"/>
               <a:t>Les différents types de régression</a:t>
             </a:r>
-            <a:endParaRPr lang="fr-FR" dirty="0"/>
           </a:p>
         </p:txBody>
       </p:sp>
@@ -4606,7 +4516,7 @@
           <a:lstStyle/>
           <a:p>
             <a:r>
-              <a:rPr lang="fr-FR" dirty="0" smtClean="0"/>
+              <a:rPr lang="fr-FR" dirty="0"/>
               <a:t>Polynomiale</a:t>
             </a:r>
           </a:p>
@@ -4614,21 +4524,17 @@
             <a:pPr lvl="1"/>
             <a:r>
               <a:rPr lang="fr-FR" dirty="0"/>
-              <a:t>f</a:t>
-            </a:r>
-            <a:r>
-              <a:rPr lang="fr-FR" dirty="0" smtClean="0"/>
-              <a:t> = </a:t>
-            </a:r>
-            <a:r>
-              <a:rPr lang="fr-FR" dirty="0" err="1" smtClean="0"/>
+              <a:t>f = </a:t>
+            </a:r>
+            <a:r>
+              <a:rPr lang="fr-FR" dirty="0" err="1"/>
               <a:t>polynome</a:t>
             </a:r>
-            <a:endParaRPr lang="fr-FR" dirty="0" smtClean="0"/>
-          </a:p>
-          <a:p>
-            <a:r>
-              <a:rPr lang="fr-FR" dirty="0" smtClean="0"/>
+            <a:endParaRPr lang="fr-FR" dirty="0"/>
+          </a:p>
+          <a:p>
+            <a:r>
+              <a:rPr lang="fr-FR" dirty="0"/>
               <a:t>Exponentielle</a:t>
             </a:r>
           </a:p>
@@ -4636,24 +4542,20 @@
             <a:pPr lvl="1"/>
             <a:r>
               <a:rPr lang="fr-FR" dirty="0"/>
-              <a:t>f</a:t>
-            </a:r>
-            <a:r>
-              <a:rPr lang="fr-FR" dirty="0" smtClean="0"/>
-              <a:t> = </a:t>
-            </a:r>
-            <a:r>
-              <a:rPr lang="fr-FR" dirty="0" err="1" smtClean="0"/>
+              <a:t>f = </a:t>
+            </a:r>
+            <a:r>
+              <a:rPr lang="fr-FR" dirty="0" err="1"/>
               <a:t>exp</a:t>
             </a:r>
             <a:r>
-              <a:rPr lang="fr-FR" dirty="0" smtClean="0"/>
+              <a:rPr lang="fr-FR" dirty="0"/>
               <a:t>(x)</a:t>
             </a:r>
           </a:p>
           <a:p>
             <a:r>
-              <a:rPr lang="fr-FR" dirty="0" smtClean="0"/>
+              <a:rPr lang="fr-FR" dirty="0"/>
               <a:t>Logarithmique</a:t>
             </a:r>
           </a:p>
@@ -4661,23 +4563,19 @@
             <a:pPr lvl="1"/>
             <a:r>
               <a:rPr lang="fr-FR" dirty="0"/>
-              <a:t>f</a:t>
-            </a:r>
-            <a:r>
-              <a:rPr lang="fr-FR" dirty="0" smtClean="0"/>
-              <a:t> = log(x)</a:t>
-            </a:r>
-          </a:p>
-          <a:p>
-            <a:r>
-              <a:rPr lang="fr-FR" dirty="0" smtClean="0"/>
+              <a:t>f = log(x)</a:t>
+            </a:r>
+          </a:p>
+          <a:p>
+            <a:r>
+              <a:rPr lang="fr-FR" dirty="0"/>
               <a:t>Asymptotique</a:t>
             </a:r>
           </a:p>
           <a:p>
             <a:pPr lvl="1"/>
             <a:r>
-              <a:rPr lang="fr-FR" dirty="0" smtClean="0"/>
+              <a:rPr lang="fr-FR" dirty="0"/>
               <a:t>F = 1/x</a:t>
             </a:r>
           </a:p>
@@ -4753,10 +4651,9 @@
           <a:lstStyle/>
           <a:p>
             <a:r>
-              <a:rPr lang="fr-FR" dirty="0" smtClean="0"/>
+              <a:rPr lang="fr-FR" dirty="0"/>
               <a:t>Les différents types de régression</a:t>
             </a:r>
-            <a:endParaRPr lang="fr-FR" dirty="0"/>
           </a:p>
         </p:txBody>
       </p:sp>
@@ -4776,29 +4673,25 @@
           <a:lstStyle/>
           <a:p>
             <a:r>
-              <a:rPr lang="fr-FR" dirty="0" err="1" smtClean="0"/>
+              <a:rPr lang="fr-FR" dirty="0" err="1"/>
               <a:t>Sinusoidale</a:t>
             </a:r>
-            <a:endParaRPr lang="fr-FR" dirty="0" smtClean="0"/>
+            <a:endParaRPr lang="fr-FR" dirty="0"/>
           </a:p>
           <a:p>
             <a:pPr lvl="1"/>
             <a:r>
               <a:rPr lang="fr-FR" dirty="0"/>
-              <a:t>f</a:t>
-            </a:r>
-            <a:r>
-              <a:rPr lang="fr-FR" dirty="0" smtClean="0"/>
-              <a:t> = a sin(x / b)</a:t>
-            </a:r>
-          </a:p>
-          <a:p>
-            <a:r>
-              <a:rPr lang="fr-FR" dirty="0" err="1" smtClean="0"/>
+              <a:t>f = a sin(x / b)</a:t>
+            </a:r>
+          </a:p>
+          <a:p>
+            <a:r>
+              <a:rPr lang="fr-FR" dirty="0" err="1"/>
               <a:t>Sinusoidale</a:t>
             </a:r>
             <a:r>
-              <a:rPr lang="fr-FR" dirty="0" smtClean="0"/>
+              <a:rPr lang="fr-FR" dirty="0"/>
               <a:t> amortie</a:t>
             </a:r>
           </a:p>
@@ -4809,17 +4702,17 @@
               <a:t>f = a sin(x / b) </a:t>
             </a:r>
             <a:r>
-              <a:rPr lang="fr-FR" dirty="0" err="1" smtClean="0"/>
+              <a:rPr lang="fr-FR" dirty="0" err="1"/>
               <a:t>exp</a:t>
             </a:r>
             <a:r>
-              <a:rPr lang="fr-FR" dirty="0" smtClean="0"/>
+              <a:rPr lang="fr-FR" dirty="0"/>
               <a:t>(-x / c)</a:t>
             </a:r>
           </a:p>
           <a:p>
             <a:pPr lvl="1"/>
-            <a:endParaRPr lang="fr-FR" dirty="0" smtClean="0"/>
+            <a:endParaRPr lang="fr-FR" dirty="0"/>
           </a:p>
         </p:txBody>
       </p:sp>
@@ -4917,10 +4810,9 @@
           <a:lstStyle/>
           <a:p>
             <a:r>
-              <a:rPr lang="fr-FR" dirty="0" smtClean="0"/>
+              <a:rPr lang="fr-FR" dirty="0"/>
               <a:t>Machine Learning</a:t>
             </a:r>
-            <a:endParaRPr lang="fr-FR" dirty="0"/>
           </a:p>
         </p:txBody>
       </p:sp>
@@ -5013,10 +4905,9 @@
           <a:lstStyle/>
           <a:p>
             <a:r>
-              <a:rPr lang="fr-FR" dirty="0" smtClean="0"/>
+              <a:rPr lang="fr-FR" dirty="0"/>
               <a:t>Filtrage</a:t>
             </a:r>
-            <a:endParaRPr lang="fr-FR" dirty="0"/>
           </a:p>
         </p:txBody>
       </p:sp>
@@ -5036,22 +4927,21 @@
           <a:lstStyle/>
           <a:p>
             <a:r>
-              <a:rPr lang="fr-FR" dirty="0" smtClean="0"/>
+              <a:rPr lang="fr-FR" dirty="0"/>
               <a:t>Il faut pouvoir enlever les données aberrante</a:t>
             </a:r>
           </a:p>
           <a:p>
             <a:r>
-              <a:rPr lang="fr-FR" dirty="0" smtClean="0"/>
+              <a:rPr lang="fr-FR" dirty="0"/>
               <a:t>Ou les données non significatives</a:t>
             </a:r>
           </a:p>
           <a:p>
             <a:r>
-              <a:rPr lang="fr-FR" dirty="0" smtClean="0"/>
+              <a:rPr lang="fr-FR" dirty="0"/>
               <a:t>Ou les données trop en dehors de l’écart type</a:t>
             </a:r>
-            <a:endParaRPr lang="fr-FR" dirty="0"/>
           </a:p>
         </p:txBody>
       </p:sp>
@@ -5142,10 +5032,9 @@
           <a:lstStyle/>
           <a:p>
             <a:r>
-              <a:rPr lang="fr-FR" dirty="0" smtClean="0"/>
+              <a:rPr lang="fr-FR" dirty="0"/>
               <a:t>Ecart type</a:t>
             </a:r>
-            <a:endParaRPr lang="fr-FR" dirty="0"/>
           </a:p>
         </p:txBody>
       </p:sp>
@@ -5165,37 +5054,36 @@
           <a:lstStyle/>
           <a:p>
             <a:r>
-              <a:rPr lang="fr-FR" dirty="0" smtClean="0"/>
+              <a:rPr lang="fr-FR" dirty="0"/>
               <a:t>Mesure la dispersion des variables</a:t>
             </a:r>
           </a:p>
           <a:p>
             <a:pPr lvl="1"/>
             <a:r>
-              <a:rPr lang="fr-FR" dirty="0" smtClean="0"/>
+              <a:rPr lang="fr-FR" dirty="0"/>
               <a:t>Racine carrée de la variance</a:t>
             </a:r>
           </a:p>
           <a:p>
             <a:pPr lvl="1"/>
             <a:r>
-              <a:rPr lang="fr-FR" dirty="0" smtClean="0"/>
+              <a:rPr lang="fr-FR" dirty="0"/>
               <a:t>Moyenne est écarts par rapport à une moyenne</a:t>
             </a:r>
           </a:p>
           <a:p>
             <a:pPr lvl="1"/>
             <a:r>
-              <a:rPr lang="fr-FR" dirty="0" smtClean="0"/>
+              <a:rPr lang="fr-FR" dirty="0"/>
               <a:t>Souvent noté sigma</a:t>
             </a:r>
           </a:p>
           <a:p>
             <a:r>
-              <a:rPr lang="fr-FR" dirty="0" smtClean="0"/>
+              <a:rPr lang="fr-FR" dirty="0"/>
               <a:t>Voici 2 échantillons avec la même moyenne mais des écarts types différents</a:t>
             </a:r>
-            <a:endParaRPr lang="fr-FR" dirty="0"/>
           </a:p>
         </p:txBody>
       </p:sp>
@@ -5286,10 +5174,9 @@
           <a:lstStyle/>
           <a:p>
             <a:r>
-              <a:rPr lang="fr-FR" dirty="0" smtClean="0"/>
+              <a:rPr lang="fr-FR" dirty="0"/>
               <a:t>IA - ML - DL</a:t>
             </a:r>
-            <a:endParaRPr lang="fr-FR" dirty="0"/>
           </a:p>
         </p:txBody>
       </p:sp>
@@ -5380,10 +5267,9 @@
           <a:lstStyle/>
           <a:p>
             <a:r>
-              <a:rPr lang="fr-FR" dirty="0" smtClean="0"/>
+              <a:rPr lang="fr-FR" dirty="0"/>
               <a:t>Loi normale</a:t>
             </a:r>
-            <a:endParaRPr lang="fr-FR" dirty="0"/>
           </a:p>
         </p:txBody>
       </p:sp>
@@ -5404,34 +5290,14 @@
           <a:p>
             <a:r>
               <a:rPr lang="fr-FR" dirty="0"/>
-              <a:t>I</a:t>
-            </a:r>
-            <a:r>
-              <a:rPr lang="fr-FR" dirty="0" smtClean="0"/>
-              <a:t>l </a:t>
-            </a:r>
-            <a:r>
-              <a:rPr lang="fr-FR" dirty="0"/>
-              <a:t>est fréquent de considérer que les valeurs se répartissent selon une courbe de </a:t>
-            </a:r>
-            <a:r>
-              <a:rPr lang="fr-FR" dirty="0" smtClean="0"/>
-              <a:t>Gauss</a:t>
+              <a:t>Il est fréquent de considérer que les valeurs se répartissent selon une courbe de Gauss</a:t>
             </a:r>
           </a:p>
           <a:p>
             <a:pPr lvl="1"/>
             <a:r>
-              <a:rPr lang="fr-FR" dirty="0" smtClean="0"/>
-              <a:t>Dans </a:t>
-            </a:r>
-            <a:r>
-              <a:rPr lang="fr-FR" dirty="0"/>
-              <a:t>le cas des sciences sociales, par exemple, la moyenne et l'écart type permettent de déterminer un intervalle dans lequel on trouve une majorité de la </a:t>
-            </a:r>
-            <a:r>
-              <a:rPr lang="fr-FR" dirty="0" smtClean="0"/>
-              <a:t>population</a:t>
+              <a:rPr lang="fr-FR" dirty="0"/>
+              <a:t>Dans le cas des sciences sociales, par exemple, la moyenne et l'écart type permettent de déterminer un intervalle dans lequel on trouve une majorité de la population</a:t>
             </a:r>
           </a:p>
           <a:p>
@@ -5527,10 +5393,9 @@
           <a:lstStyle/>
           <a:p>
             <a:r>
-              <a:rPr lang="fr-FR" dirty="0" smtClean="0"/>
+              <a:rPr lang="fr-FR" dirty="0"/>
               <a:t>Loi normale</a:t>
             </a:r>
-            <a:endParaRPr lang="fr-FR" dirty="0"/>
           </a:p>
         </p:txBody>
       </p:sp>
@@ -5550,26 +5415,26 @@
           <a:lstStyle/>
           <a:p>
             <a:r>
-              <a:rPr lang="fr-FR" dirty="0" smtClean="0"/>
+              <a:rPr lang="fr-FR" dirty="0"/>
               <a:t>Avec le calcul de la distribution des données il est possible de filtrer les données trop éloignée de la loi normale</a:t>
             </a:r>
           </a:p>
           <a:p>
             <a:pPr lvl="1"/>
             <a:r>
-              <a:rPr lang="fr-FR" dirty="0" smtClean="0"/>
+              <a:rPr lang="fr-FR" dirty="0"/>
               <a:t>Possibilité de filtrer les données &gt; 3 * Sigma</a:t>
             </a:r>
           </a:p>
           <a:p>
             <a:r>
-              <a:rPr lang="fr-FR" dirty="0" smtClean="0"/>
+              <a:rPr lang="fr-FR" dirty="0"/>
               <a:t>Possibilité de calculer la médiane, quartile, décile, centile</a:t>
             </a:r>
           </a:p>
           <a:p>
             <a:pPr lvl="1"/>
-            <a:endParaRPr lang="fr-FR" dirty="0" smtClean="0"/>
+            <a:endParaRPr lang="fr-FR" dirty="0"/>
           </a:p>
         </p:txBody>
       </p:sp>
@@ -5619,10 +5484,9 @@
           <a:lstStyle/>
           <a:p>
             <a:r>
-              <a:rPr lang="fr-FR" dirty="0" smtClean="0"/>
+              <a:rPr lang="fr-FR" dirty="0"/>
               <a:t>Cas non gaussien</a:t>
             </a:r>
-            <a:endParaRPr lang="fr-FR" dirty="0"/>
           </a:p>
         </p:txBody>
       </p:sp>
@@ -5642,53 +5506,53 @@
           <a:lstStyle/>
           <a:p>
             <a:r>
-              <a:rPr lang="fr-FR" dirty="0" smtClean="0"/>
+              <a:rPr lang="fr-FR" dirty="0"/>
               <a:t>Les distribution des salaire en France ne suit pas une gaussienne</a:t>
             </a:r>
           </a:p>
           <a:p>
             <a:pPr lvl="1"/>
             <a:r>
-              <a:rPr lang="fr-FR" dirty="0" smtClean="0"/>
+              <a:rPr lang="fr-FR" dirty="0"/>
               <a:t>C’est une gaussienne asymétrique</a:t>
             </a:r>
           </a:p>
           <a:p>
             <a:r>
-              <a:rPr lang="fr-FR" dirty="0" smtClean="0"/>
+              <a:rPr lang="fr-FR" dirty="0"/>
               <a:t>La moyenne et l’écart type n’ont pas de sens</a:t>
             </a:r>
           </a:p>
           <a:p>
             <a:r>
-              <a:rPr lang="fr-FR" dirty="0" smtClean="0"/>
+              <a:rPr lang="fr-FR" dirty="0"/>
               <a:t>Il faut utilise la médiane et les *iles</a:t>
             </a:r>
           </a:p>
           <a:p>
             <a:r>
-              <a:rPr lang="fr-FR" dirty="0" smtClean="0"/>
+              <a:rPr lang="fr-FR" dirty="0"/>
               <a:t>Exemple</a:t>
             </a:r>
           </a:p>
           <a:p>
             <a:pPr lvl="1"/>
             <a:r>
-              <a:rPr lang="fr-FR" dirty="0" smtClean="0"/>
+              <a:rPr lang="fr-FR" dirty="0"/>
               <a:t>Salaire équivalent temps plein net</a:t>
             </a:r>
           </a:p>
           <a:p>
             <a:pPr lvl="1"/>
             <a:r>
-              <a:rPr lang="fr-FR" dirty="0" smtClean="0"/>
+              <a:rPr lang="fr-FR" dirty="0"/>
               <a:t>Salaire moyen : 2250 €</a:t>
             </a:r>
           </a:p>
           <a:p>
             <a:pPr lvl="1"/>
             <a:r>
-              <a:rPr lang="fr-FR" dirty="0" smtClean="0"/>
+              <a:rPr lang="fr-FR" dirty="0"/>
               <a:t>Salaire médian : 1797 €</a:t>
             </a:r>
           </a:p>
@@ -5785,10 +5649,9 @@
           <a:lstStyle/>
           <a:p>
             <a:r>
-              <a:rPr lang="fr-FR" dirty="0" smtClean="0"/>
+              <a:rPr lang="fr-FR" dirty="0"/>
               <a:t>Modélisation</a:t>
             </a:r>
-            <a:endParaRPr lang="fr-FR" dirty="0"/>
           </a:p>
         </p:txBody>
       </p:sp>
@@ -5812,35 +5675,23 @@
               <a:t>Imaginez que vous êtes un data </a:t>
             </a:r>
             <a:r>
-              <a:rPr lang="fr-FR" dirty="0" err="1" smtClean="0"/>
+              <a:rPr lang="fr-FR" dirty="0" err="1"/>
               <a:t>scientist</a:t>
             </a:r>
-            <a:endParaRPr lang="fr-FR" dirty="0" smtClean="0"/>
+            <a:endParaRPr lang="fr-FR" dirty="0"/>
           </a:p>
           <a:p>
             <a:pPr lvl="1"/>
             <a:r>
-              <a:rPr lang="fr-FR" dirty="0" smtClean="0"/>
-              <a:t>Vous </a:t>
-            </a:r>
-            <a:r>
-              <a:rPr lang="fr-FR" dirty="0"/>
-              <a:t>êtes maintenant confortable avec l'ensemble des données récupérées pour vos </a:t>
-            </a:r>
-            <a:r>
-              <a:rPr lang="fr-FR" dirty="0" smtClean="0"/>
-              <a:t>analyses</a:t>
+              <a:rPr lang="fr-FR" dirty="0"/>
+              <a:t>Vous êtes maintenant confortable avec l'ensemble des données récupérées pour vos analyses</a:t>
             </a:r>
           </a:p>
           <a:p>
             <a:pPr lvl="1"/>
             <a:r>
-              <a:rPr lang="fr-FR" dirty="0" smtClean="0"/>
-              <a:t>Vous </a:t>
-            </a:r>
-            <a:r>
-              <a:rPr lang="fr-FR" dirty="0"/>
-              <a:t>avez une connaissance des objectifs principaux de l'entreprise, ce qui vous a aidé à synthétiser les différentes variables qui interviennent, ainsi que visualiser les différents comportements et corrélations présents au sein de ces données</a:t>
+              <a:rPr lang="fr-FR" dirty="0"/>
+              <a:t>Vous avez une connaissance des objectifs principaux de l'entreprise, ce qui vous a aidé à synthétiser les différentes variables qui interviennent, ainsi que visualiser les différents comportements et corrélations présents au sein de ces données</a:t>
             </a:r>
           </a:p>
         </p:txBody>
@@ -5891,10 +5742,9 @@
           <a:lstStyle/>
           <a:p>
             <a:r>
-              <a:rPr lang="fr-FR" dirty="0" smtClean="0"/>
+              <a:rPr lang="fr-FR" dirty="0"/>
               <a:t>Apprentissage</a:t>
             </a:r>
-            <a:endParaRPr lang="fr-FR" dirty="0"/>
           </a:p>
         </p:txBody>
       </p:sp>
@@ -5926,46 +5776,30 @@
               <a:t>, l'idée est que l'algorithme construise une "représentation interne" tout seul afin de pouvoir effectuer la tâche qui lui est demandée (prédiction, identification, </a:t>
             </a:r>
             <a:r>
-              <a:rPr lang="fr-FR" dirty="0" err="1" smtClean="0"/>
+              <a:rPr lang="fr-FR" dirty="0" err="1"/>
               <a:t>etc</a:t>
             </a:r>
             <a:r>
-              <a:rPr lang="fr-FR" dirty="0" smtClean="0"/>
+              <a:rPr lang="fr-FR" dirty="0"/>
               <a:t>)</a:t>
             </a:r>
           </a:p>
           <a:p>
             <a:r>
-              <a:rPr lang="fr-FR" dirty="0" smtClean="0"/>
+              <a:rPr lang="fr-FR" dirty="0"/>
               <a:t>L’être humain est quasiment incapable d’écrire l’algorithme</a:t>
             </a:r>
           </a:p>
           <a:p>
             <a:r>
-              <a:rPr lang="fr-FR" dirty="0" smtClean="0"/>
-              <a:t>Pour </a:t>
-            </a:r>
-            <a:r>
-              <a:rPr lang="fr-FR" dirty="0"/>
-              <a:t>cela, il va d'abord falloir lui entrer un jeu de données d'exemples afin qu'il puisse s'entraîner et s'améliorer, d'où le mot </a:t>
-            </a:r>
-            <a:r>
-              <a:rPr lang="fr-FR" dirty="0" smtClean="0"/>
-              <a:t>apprentissage</a:t>
-            </a:r>
-          </a:p>
-          <a:p>
-            <a:r>
-              <a:rPr lang="fr-FR" dirty="0" smtClean="0"/>
-              <a:t>Ce </a:t>
-            </a:r>
-            <a:r>
-              <a:rPr lang="fr-FR" dirty="0"/>
-              <a:t>jeu de données s'appelle le </a:t>
-            </a:r>
-            <a:r>
-              <a:rPr lang="fr-FR" dirty="0" smtClean="0"/>
-              <a:t>training set</a:t>
+              <a:rPr lang="fr-FR" dirty="0"/>
+              <a:t>Pour cela, il va d'abord falloir lui entrer un jeu de données d'exemples afin qu'il puisse s'entraîner et s'améliorer, d'où le mot apprentissage</a:t>
+            </a:r>
+          </a:p>
+          <a:p>
+            <a:r>
+              <a:rPr lang="fr-FR" dirty="0"/>
+              <a:t>Ce jeu de données s'appelle le training set</a:t>
             </a:r>
           </a:p>
           <a:p>
@@ -6019,11 +5853,11 @@
           <a:lstStyle/>
           <a:p>
             <a:r>
-              <a:rPr lang="fr-FR" dirty="0" smtClean="0"/>
+              <a:rPr lang="fr-FR" dirty="0"/>
               <a:t>Machine Learning </a:t>
             </a:r>
             <a:r>
-              <a:rPr lang="fr-FR" smtClean="0"/>
+              <a:rPr lang="fr-FR"/>
               <a:t>vs Programmation</a:t>
             </a:r>
             <a:endParaRPr lang="fr-FR" dirty="0"/>
@@ -6117,10 +5951,9 @@
           <a:lstStyle/>
           <a:p>
             <a:r>
-              <a:rPr lang="fr-FR" dirty="0" smtClean="0"/>
+              <a:rPr lang="fr-FR" dirty="0"/>
               <a:t>Exemple</a:t>
             </a:r>
-            <a:endParaRPr lang="fr-FR" dirty="0"/>
           </a:p>
         </p:txBody>
       </p:sp>
@@ -6213,10 +6046,9 @@
           <a:lstStyle/>
           <a:p>
             <a:r>
-              <a:rPr lang="fr-FR" dirty="0" smtClean="0"/>
+              <a:rPr lang="fr-FR" dirty="0"/>
               <a:t>Workflow</a:t>
             </a:r>
-            <a:endParaRPr lang="fr-FR" dirty="0"/>
           </a:p>
         </p:txBody>
       </p:sp>
@@ -6309,10 +6141,9 @@
           <a:lstStyle/>
           <a:p>
             <a:r>
-              <a:rPr lang="fr-FR" dirty="0" smtClean="0"/>
+              <a:rPr lang="fr-FR" dirty="0"/>
               <a:t>Notre travail</a:t>
             </a:r>
-            <a:endParaRPr lang="fr-FR" dirty="0"/>
           </a:p>
         </p:txBody>
       </p:sp>
@@ -6333,15 +6164,7 @@
           <a:p>
             <a:r>
               <a:rPr lang="fr-FR" dirty="0"/>
-              <a:t>L</a:t>
-            </a:r>
-            <a:r>
-              <a:rPr lang="fr-FR" dirty="0" smtClean="0"/>
-              <a:t>e </a:t>
-            </a:r>
-            <a:r>
-              <a:rPr lang="fr-FR" dirty="0"/>
-              <a:t>travail du data </a:t>
+              <a:t>Le travail du data </a:t>
             </a:r>
             <a:r>
               <a:rPr lang="fr-FR" dirty="0" err="1"/>
@@ -6357,31 +6180,19 @@
             </a:r>
             <a:r>
               <a:rPr lang="fr-FR" dirty="0"/>
-              <a:t> consiste à sélectionner les bonnes données test, choisir et entraîner le bon algorithme en vérifiant grâce à l'analyse d'erreurs que le modèle devient de plus en plus performant et </a:t>
-            </a:r>
-            <a:r>
-              <a:rPr lang="fr-FR" dirty="0" smtClean="0"/>
-              <a:t>robuste</a:t>
-            </a:r>
-          </a:p>
-          <a:p>
-            <a:r>
-              <a:rPr lang="fr-FR" dirty="0" smtClean="0"/>
-              <a:t>Si </a:t>
-            </a:r>
-            <a:r>
-              <a:rPr lang="fr-FR" dirty="0"/>
-              <a:t>les performances s'améliorent lorsqu'on lui fourni les données d'entraînement, on dit alors que la machine "apprend".</a:t>
-            </a:r>
-          </a:p>
-          <a:p>
-            <a:r>
-              <a:rPr lang="fr-FR" dirty="0" smtClean="0"/>
-              <a:t>Le </a:t>
-            </a:r>
-            <a:r>
-              <a:rPr lang="fr-FR" dirty="0"/>
-              <a:t>data </a:t>
+              <a:t> consiste à sélectionner les bonnes données test, choisir et entraîner le bon algorithme en vérifiant grâce à l'analyse d'erreurs que le modèle devient de plus en plus performant et robuste</a:t>
+            </a:r>
+          </a:p>
+          <a:p>
+            <a:r>
+              <a:rPr lang="fr-FR" dirty="0"/>
+              <a:t>Si les performances s'améliorent lorsqu'on lui fourni les données d'entraînement, on dit alors que la machine "apprend".</a:t>
+            </a:r>
+          </a:p>
+          <a:p>
+            <a:r>
+              <a:rPr lang="fr-FR" dirty="0"/>
+              <a:t>Le data </a:t>
             </a:r>
             <a:r>
               <a:rPr lang="fr-FR" dirty="0" err="1"/>
@@ -6389,22 +6200,10 @@
             </a:r>
             <a:r>
               <a:rPr lang="fr-FR" dirty="0"/>
-              <a:t> peut ensuite </a:t>
-            </a:r>
-            <a:r>
-              <a:rPr lang="fr-FR" dirty="0" smtClean="0"/>
-              <a:t>déployer le modèle </a:t>
-            </a:r>
-            <a:r>
-              <a:rPr lang="fr-FR" dirty="0"/>
-              <a:t>afin qu'il traite de nouvelles données, pour accomplir la tâche </a:t>
-            </a:r>
-            <a:r>
-              <a:rPr lang="fr-FR" dirty="0" smtClean="0"/>
-              <a:t>(prédiction</a:t>
-            </a:r>
-            <a:r>
-              <a:rPr lang="fr-FR" smtClean="0"/>
+              <a:t> peut ensuite déployer le modèle afin qu'il traite de nouvelles données, pour accomplir la tâche (prédiction</a:t>
+            </a:r>
+            <a:r>
+              <a:rPr lang="fr-FR"/>
               <a:t>, décision, ...).</a:t>
             </a:r>
             <a:endParaRPr lang="fr-FR" dirty="0"/>
@@ -6458,13 +6257,8 @@
           <a:p>
             <a:r>
               <a:rPr lang="fr-FR" dirty="0"/>
-              <a:t>L'algorithme </a:t>
-            </a:r>
-            <a:r>
-              <a:rPr lang="fr-FR" dirty="0" smtClean="0"/>
-              <a:t>d'apprentissage</a:t>
-            </a:r>
-            <a:endParaRPr lang="fr-FR" dirty="0"/>
+              <a:t>L'algorithme d'apprentissage</a:t>
+            </a:r>
           </a:p>
         </p:txBody>
       </p:sp>
@@ -6485,43 +6279,22 @@
           <a:p>
             <a:r>
               <a:rPr lang="fr-FR" dirty="0"/>
-              <a:t>L'algorithme d'apprentissage constitue la méthode avec laquelle le modèle statistique va se paramétrer à partir des données </a:t>
-            </a:r>
-            <a:r>
-              <a:rPr lang="fr-FR" dirty="0" smtClean="0"/>
-              <a:t>d'exemple</a:t>
+              <a:t>L'algorithme d'apprentissage constitue la méthode avec laquelle le modèle statistique va se paramétrer à partir des données d'exemple</a:t>
             </a:r>
           </a:p>
           <a:p>
             <a:pPr lvl="1"/>
             <a:r>
-              <a:rPr lang="fr-FR" dirty="0" smtClean="0"/>
-              <a:t>Il </a:t>
-            </a:r>
-            <a:r>
-              <a:rPr lang="fr-FR" dirty="0"/>
-              <a:t>existe de nombreux algorithmes différents </a:t>
-            </a:r>
-            <a:r>
-              <a:rPr lang="fr-FR" dirty="0" smtClean="0"/>
-              <a:t>!</a:t>
+              <a:rPr lang="fr-FR" dirty="0"/>
+              <a:t>Il existe de nombreux algorithmes différents !</a:t>
             </a:r>
           </a:p>
           <a:p>
             <a:pPr lvl="1"/>
             <a:r>
-              <a:rPr lang="fr-FR" dirty="0" smtClean="0"/>
-              <a:t>On </a:t>
-            </a:r>
-            <a:r>
-              <a:rPr lang="fr-FR" dirty="0"/>
-              <a:t>choisira un type d'algorithme particulier en fonction du type de tâche que l'on souhaite accomplir et du type de données dont on </a:t>
-            </a:r>
-            <a:r>
-              <a:rPr lang="fr-FR" dirty="0" smtClean="0"/>
-              <a:t>dispose</a:t>
-            </a:r>
-            <a:endParaRPr lang="fr-FR" dirty="0"/>
+              <a:rPr lang="fr-FR" dirty="0"/>
+              <a:t>On choisira un type d'algorithme particulier en fonction du type de tâche que l'on souhaite accomplir et du type de données dont on dispose</a:t>
+            </a:r>
           </a:p>
         </p:txBody>
       </p:sp>
@@ -6571,18 +6344,17 @@
           <a:lstStyle/>
           <a:p>
             <a:r>
-              <a:rPr lang="fr-FR" dirty="0" smtClean="0"/>
+              <a:rPr lang="fr-FR" dirty="0"/>
               <a:t>1</a:t>
             </a:r>
             <a:r>
-              <a:rPr lang="fr-FR" baseline="30000" dirty="0" smtClean="0"/>
+              <a:rPr lang="fr-FR" baseline="30000" dirty="0"/>
               <a:t>ère</a:t>
             </a:r>
             <a:r>
-              <a:rPr lang="fr-FR" dirty="0" smtClean="0"/>
+              <a:rPr lang="fr-FR" dirty="0"/>
               <a:t> étape</a:t>
             </a:r>
-            <a:endParaRPr lang="fr-FR" dirty="0"/>
           </a:p>
         </p:txBody>
       </p:sp>
@@ -6602,48 +6374,48 @@
           <a:lstStyle/>
           <a:p>
             <a:r>
-              <a:rPr lang="fr-FR" dirty="0" smtClean="0"/>
+              <a:rPr lang="fr-FR" dirty="0"/>
               <a:t>Trouver les données</a:t>
             </a:r>
           </a:p>
           <a:p>
             <a:pPr lvl="1"/>
             <a:r>
-              <a:rPr lang="fr-FR" dirty="0" smtClean="0"/>
+              <a:rPr lang="fr-FR" dirty="0"/>
               <a:t>Mise à disposition d’un data </a:t>
             </a:r>
             <a:r>
-              <a:rPr lang="fr-FR" dirty="0" err="1" smtClean="0"/>
+              <a:rPr lang="fr-FR" dirty="0" err="1"/>
               <a:t>lake</a:t>
             </a:r>
             <a:r>
-              <a:rPr lang="fr-FR" dirty="0" smtClean="0"/>
+              <a:rPr lang="fr-FR" dirty="0"/>
               <a:t> ou d’un data </a:t>
             </a:r>
             <a:r>
-              <a:rPr lang="fr-FR" dirty="0" err="1" smtClean="0"/>
+              <a:rPr lang="fr-FR" dirty="0" err="1"/>
               <a:t>mart</a:t>
             </a:r>
-            <a:endParaRPr lang="fr-FR" dirty="0" smtClean="0"/>
-          </a:p>
-          <a:p>
-            <a:r>
-              <a:rPr lang="fr-FR" dirty="0" smtClean="0"/>
+            <a:endParaRPr lang="fr-FR" dirty="0"/>
+          </a:p>
+          <a:p>
+            <a:r>
+              <a:rPr lang="fr-FR" dirty="0"/>
               <a:t>Le jeu de données utilisé en machine </a:t>
             </a:r>
             <a:r>
-              <a:rPr lang="fr-FR" dirty="0" err="1" smtClean="0"/>
+              <a:rPr lang="fr-FR" dirty="0" err="1"/>
               <a:t>learning</a:t>
             </a:r>
             <a:r>
-              <a:rPr lang="fr-FR" dirty="0" smtClean="0"/>
+              <a:rPr lang="fr-FR" dirty="0"/>
               <a:t> s’appel le </a:t>
             </a:r>
             <a:r>
-              <a:rPr lang="fr-FR" dirty="0" err="1" smtClean="0"/>
+              <a:rPr lang="fr-FR" dirty="0" err="1"/>
               <a:t>Dataset</a:t>
             </a:r>
-            <a:endParaRPr lang="fr-FR" dirty="0" smtClean="0"/>
+            <a:endParaRPr lang="fr-FR" dirty="0"/>
           </a:p>
         </p:txBody>
       </p:sp>
@@ -6693,10 +6465,9 @@
           <a:lstStyle/>
           <a:p>
             <a:r>
-              <a:rPr lang="fr-FR" dirty="0" smtClean="0"/>
+              <a:rPr lang="fr-FR" dirty="0"/>
               <a:t>Exemples</a:t>
             </a:r>
-            <a:endParaRPr lang="fr-FR" dirty="0"/>
           </a:p>
         </p:txBody>
       </p:sp>
@@ -6731,12 +6502,8 @@
           <a:p>
             <a:pPr lvl="1"/>
             <a:r>
-              <a:rPr lang="fr-FR" dirty="0" smtClean="0"/>
-              <a:t>La </a:t>
-            </a:r>
-            <a:r>
-              <a:rPr lang="fr-FR" dirty="0"/>
-              <a:t>régression linéaire</a:t>
+              <a:rPr lang="fr-FR" dirty="0"/>
+              <a:t>La régression linéaire</a:t>
             </a:r>
           </a:p>
           <a:p>
@@ -6844,10 +6611,9 @@
           <a:lstStyle/>
           <a:p>
             <a:r>
-              <a:rPr lang="fr-FR" dirty="0" smtClean="0"/>
+              <a:rPr lang="fr-FR" dirty="0"/>
               <a:t>Mesure de performance</a:t>
             </a:r>
-            <a:endParaRPr lang="fr-FR" dirty="0"/>
           </a:p>
         </p:txBody>
       </p:sp>
@@ -6868,11 +6634,7 @@
           <a:p>
             <a:r>
               <a:rPr lang="fr-FR" dirty="0"/>
-              <a:t>Mesurer les performances fait partie intégrante du travail de modélisation. Il faut en général déterminer une mesure principale, souvent spécifique à la tâche à </a:t>
-            </a:r>
-            <a:r>
-              <a:rPr lang="fr-FR" dirty="0" smtClean="0"/>
-              <a:t>accomplir</a:t>
+              <a:t>Mesurer les performances fait partie intégrante du travail de modélisation. Il faut en général déterminer une mesure principale, souvent spécifique à la tâche à accomplir</a:t>
             </a:r>
           </a:p>
           <a:p>
@@ -6926,10 +6688,9 @@
           <a:lstStyle/>
           <a:p>
             <a:r>
-              <a:rPr lang="fr-FR" dirty="0" smtClean="0"/>
+              <a:rPr lang="fr-FR" dirty="0"/>
               <a:t>Exemple</a:t>
             </a:r>
-            <a:endParaRPr lang="fr-FR" dirty="0"/>
           </a:p>
         </p:txBody>
       </p:sp>
@@ -6950,80 +6711,40 @@
           <a:p>
             <a:r>
               <a:rPr lang="fr-FR" sz="2400" dirty="0"/>
-              <a:t>Imaginez que vous voulez créer un algorithme de détection de fraudes </a:t>
-            </a:r>
-            <a:r>
-              <a:rPr lang="fr-FR" sz="2400" dirty="0" smtClean="0"/>
-              <a:t>bancaires</a:t>
+              <a:t>Imaginez que vous voulez créer un algorithme de détection de fraudes bancaires</a:t>
             </a:r>
           </a:p>
           <a:p>
             <a:pPr lvl="1"/>
             <a:r>
-              <a:rPr lang="fr-FR" sz="2000" dirty="0" smtClean="0"/>
-              <a:t>Vous </a:t>
-            </a:r>
-            <a:r>
               <a:rPr lang="fr-FR" sz="2000" dirty="0"/>
-              <a:t>voulez mesurer à quel point votre programme est </a:t>
-            </a:r>
-            <a:r>
-              <a:rPr lang="fr-FR" sz="2000" dirty="0" smtClean="0"/>
-              <a:t>performant</a:t>
-            </a:r>
-          </a:p>
-          <a:p>
-            <a:r>
-              <a:rPr lang="fr-FR" sz="2400" dirty="0" smtClean="0"/>
-              <a:t>Une </a:t>
-            </a:r>
+              <a:t>Vous voulez mesurer à quel point votre programme est performant</a:t>
+            </a:r>
+          </a:p>
+          <a:p>
             <a:r>
               <a:rPr lang="fr-FR" sz="2400" dirty="0"/>
-              <a:t>manière de faire serait de mesurer la proportion totale de transaction détectées comme </a:t>
-            </a:r>
-            <a:r>
-              <a:rPr lang="fr-FR" sz="2400" dirty="0" smtClean="0"/>
-              <a:t>fraude</a:t>
+              <a:t>Une manière de faire serait de mesurer la proportion totale de transaction détectées comme fraude</a:t>
             </a:r>
           </a:p>
           <a:p>
             <a:pPr lvl="1"/>
             <a:r>
-              <a:rPr lang="fr-FR" sz="2000" dirty="0" smtClean="0"/>
-              <a:t>Cependant</a:t>
-            </a:r>
-            <a:r>
               <a:rPr lang="fr-FR" sz="2000" dirty="0"/>
-              <a:t>, on compte ici les transactions qui ne sont pas des fraudes et qui ont quand même été notées comme en étant (appelé "faux positifs</a:t>
-            </a:r>
-            <a:r>
-              <a:rPr lang="fr-FR" sz="2000" dirty="0" smtClean="0"/>
-              <a:t>")</a:t>
+              <a:t>Cependant, on compte ici les transactions qui ne sont pas des fraudes et qui ont quand même été notées comme en étant (appelé "faux positifs")</a:t>
             </a:r>
           </a:p>
           <a:p>
             <a:pPr lvl="1"/>
             <a:r>
-              <a:rPr lang="fr-FR" sz="2000" dirty="0" smtClean="0"/>
-              <a:t>Donc</a:t>
-            </a:r>
-            <a:r>
               <a:rPr lang="fr-FR" sz="2000" dirty="0"/>
-              <a:t>, avec ce genre de métriques, on est pas exigeant sur ce type d'erreur que produit notre </a:t>
-            </a:r>
-            <a:r>
-              <a:rPr lang="fr-FR" sz="2000" dirty="0" smtClean="0"/>
-              <a:t>algorithme</a:t>
-            </a:r>
-          </a:p>
-          <a:p>
-            <a:r>
-              <a:rPr lang="fr-FR" sz="2400" dirty="0" smtClean="0"/>
-              <a:t>Il </a:t>
-            </a:r>
+              <a:t>Donc, avec ce genre de métriques, on est pas exigeant sur ce type d'erreur que produit notre algorithme</a:t>
+            </a:r>
+          </a:p>
+          <a:p>
             <a:r>
               <a:rPr lang="fr-FR" sz="2400" dirty="0"/>
-              <a:t>faut peut être, utiliser une autre métrique plus pertinente. Par exemple, la précision qui est la proportion de "vraies fraudes" détectées par rapport au total de transactions </a:t>
+              <a:t>Il faut peut être, utiliser une autre métrique plus pertinente. Par exemple, la précision qui est la proportion de "vraies fraudes" détectées par rapport au total de transactions </a:t>
             </a:r>
             <a:r>
               <a:rPr lang="fr-FR" sz="2400" dirty="0" err="1"/>
@@ -7082,10 +6803,9 @@
           <a:lstStyle/>
           <a:p>
             <a:r>
-              <a:rPr lang="fr-FR" dirty="0" smtClean="0"/>
+              <a:rPr lang="fr-FR" dirty="0"/>
               <a:t>Autre exemple</a:t>
             </a:r>
-            <a:endParaRPr lang="fr-FR" dirty="0"/>
           </a:p>
         </p:txBody>
       </p:sp>
@@ -7105,16 +6825,15 @@
           <a:lstStyle/>
           <a:p>
             <a:r>
-              <a:rPr lang="fr-FR" dirty="0" smtClean="0"/>
+              <a:rPr lang="fr-FR" dirty="0"/>
               <a:t>Dans la détection de maladie comme la méningite le nombre de faux positif n’est pas très important</a:t>
             </a:r>
           </a:p>
           <a:p>
             <a:r>
-              <a:rPr lang="fr-FR" dirty="0" smtClean="0"/>
+              <a:rPr lang="fr-FR" dirty="0"/>
               <a:t>Alors que le nombre de faux négatif est potentiellement mortel</a:t>
             </a:r>
-            <a:endParaRPr lang="fr-FR" dirty="0"/>
           </a:p>
         </p:txBody>
       </p:sp>
@@ -7164,10 +6883,9 @@
           <a:lstStyle/>
           <a:p>
             <a:r>
-              <a:rPr lang="fr-FR" dirty="0" smtClean="0"/>
+              <a:rPr lang="fr-FR" dirty="0"/>
               <a:t>Problème de la recommandation</a:t>
             </a:r>
-            <a:endParaRPr lang="fr-FR" dirty="0"/>
           </a:p>
         </p:txBody>
       </p:sp>
@@ -7191,19 +6909,15 @@
               <a:t>La recommandation est une problématique qui revient très souvent pour les data </a:t>
             </a:r>
             <a:r>
-              <a:rPr lang="fr-FR" sz="2400" dirty="0" err="1" smtClean="0"/>
+              <a:rPr lang="fr-FR" sz="2400" dirty="0" err="1"/>
               <a:t>scientists</a:t>
             </a:r>
-            <a:endParaRPr lang="fr-FR" sz="2400" dirty="0" smtClean="0"/>
-          </a:p>
-          <a:p>
-            <a:r>
-              <a:rPr lang="fr-FR" sz="2400" dirty="0" smtClean="0"/>
-              <a:t>Suggérer </a:t>
-            </a:r>
+            <a:endParaRPr lang="fr-FR" sz="2400" dirty="0"/>
+          </a:p>
+          <a:p>
             <a:r>
               <a:rPr lang="fr-FR" sz="2400" dirty="0"/>
-              <a:t>d'autres produits à acheter sur Amazon, des films à regarder sur </a:t>
+              <a:t>Suggérer d'autres produits à acheter sur Amazon, des films à regarder sur </a:t>
             </a:r>
             <a:r>
               <a:rPr lang="fr-FR" sz="2400" dirty="0" err="1"/>
@@ -7222,34 +6936,30 @@
               <a:t>, </a:t>
             </a:r>
             <a:r>
-              <a:rPr lang="fr-FR" sz="2400" dirty="0" err="1" smtClean="0"/>
+              <a:rPr lang="fr-FR" sz="2400" dirty="0" err="1"/>
               <a:t>etc</a:t>
             </a:r>
-            <a:endParaRPr lang="fr-FR" sz="2400" dirty="0" smtClean="0"/>
+            <a:endParaRPr lang="fr-FR" sz="2400" dirty="0"/>
           </a:p>
           <a:p>
             <a:pPr lvl="1"/>
             <a:r>
-              <a:rPr lang="fr-FR" sz="2000" dirty="0" smtClean="0"/>
+              <a:rPr lang="fr-FR" sz="2000" dirty="0"/>
               <a:t>La recommandation </a:t>
             </a:r>
             <a:r>
-              <a:rPr lang="fr-FR" sz="2000" dirty="0" err="1" smtClean="0"/>
+              <a:rPr lang="fr-FR" sz="2000" dirty="0" err="1"/>
               <a:t>Spotify</a:t>
             </a:r>
             <a:r>
-              <a:rPr lang="fr-FR" sz="2000" dirty="0" smtClean="0"/>
+              <a:rPr lang="fr-FR" sz="2000" dirty="0"/>
               <a:t> est en Python</a:t>
             </a:r>
           </a:p>
           <a:p>
             <a:r>
               <a:rPr lang="fr-FR" sz="2400" dirty="0"/>
-              <a:t>Mais du coup c'est de la classification ? de la régression ? supervisé ? non-supervisé </a:t>
-            </a:r>
-            <a:r>
-              <a:rPr lang="fr-FR" sz="2400" dirty="0" smtClean="0"/>
-              <a:t>?</a:t>
+              <a:t>Mais du coup c'est de la classification ? de la régression ? supervisé ? non-supervisé ?</a:t>
             </a:r>
           </a:p>
           <a:p>
@@ -7263,22 +6973,14 @@
             </a:r>
             <a:r>
               <a:rPr lang="fr-FR" sz="2400" dirty="0"/>
-              <a:t>", qui se base sur des </a:t>
-            </a:r>
-            <a:r>
-              <a:rPr lang="fr-FR" sz="2400" dirty="0" smtClean="0"/>
-              <a:t>similarités</a:t>
+              <a:t>", qui se base sur des similarités</a:t>
             </a:r>
           </a:p>
           <a:p>
             <a:pPr lvl="1"/>
             <a:r>
-              <a:rPr lang="fr-FR" sz="2000" dirty="0" smtClean="0"/>
-              <a:t>c'est </a:t>
-            </a:r>
-            <a:r>
               <a:rPr lang="fr-FR" sz="2000" dirty="0"/>
-              <a:t>un problème non-supervisé</a:t>
+              <a:t>c'est un problème non-supervisé</a:t>
             </a:r>
           </a:p>
         </p:txBody>
@@ -7329,11 +7031,11 @@
           <a:lstStyle/>
           <a:p>
             <a:r>
-              <a:rPr lang="fr-FR" dirty="0" smtClean="0"/>
+              <a:rPr lang="fr-FR" dirty="0"/>
               <a:t>Le </a:t>
             </a:r>
             <a:r>
-              <a:rPr lang="fr-FR" dirty="0" err="1" smtClean="0"/>
+              <a:rPr lang="fr-FR" dirty="0" err="1"/>
               <a:t>clustering</a:t>
             </a:r>
             <a:endParaRPr lang="fr-FR" dirty="0"/>
@@ -7365,39 +7067,19 @@
             </a:r>
             <a:r>
               <a:rPr lang="fr-FR" dirty="0"/>
-              <a:t> désigne les méthodes de regroupement automatique de données qui se ressemblent le plus en un ensemble de "nuages", appelés </a:t>
-            </a:r>
-            <a:r>
-              <a:rPr lang="fr-FR" dirty="0" smtClean="0"/>
-              <a:t>clusters</a:t>
-            </a:r>
-          </a:p>
-          <a:p>
-            <a:r>
-              <a:rPr lang="fr-FR" dirty="0" smtClean="0"/>
-              <a:t>Un </a:t>
-            </a:r>
-            <a:r>
-              <a:rPr lang="fr-FR" dirty="0"/>
-              <a:t>ensemble d'algorithmes non-supervisés peuvent réaliser cette </a:t>
-            </a:r>
-            <a:r>
-              <a:rPr lang="fr-FR" dirty="0" smtClean="0"/>
-              <a:t>tâche</a:t>
-            </a:r>
-          </a:p>
-          <a:p>
-            <a:r>
-              <a:rPr lang="fr-FR" dirty="0" smtClean="0"/>
-              <a:t>Ils </a:t>
-            </a:r>
-            <a:r>
-              <a:rPr lang="fr-FR" dirty="0"/>
-              <a:t>mesurent donc de manière automatique la similarité entre les différentes </a:t>
-            </a:r>
-            <a:r>
-              <a:rPr lang="fr-FR" dirty="0" smtClean="0"/>
-              <a:t>données</a:t>
+              <a:t> désigne les méthodes de regroupement automatique de données qui se ressemblent le plus en un ensemble de "nuages", appelés clusters</a:t>
+            </a:r>
+          </a:p>
+          <a:p>
+            <a:r>
+              <a:rPr lang="fr-FR" dirty="0"/>
+              <a:t>Un ensemble d'algorithmes non-supervisés peuvent réaliser cette tâche</a:t>
+            </a:r>
+          </a:p>
+          <a:p>
+            <a:r>
+              <a:rPr lang="fr-FR" dirty="0"/>
+              <a:t>Ils mesurent donc de manière automatique la similarité entre les différentes données</a:t>
             </a:r>
           </a:p>
         </p:txBody>
@@ -7448,10 +7130,9 @@
           <a:lstStyle/>
           <a:p>
             <a:r>
-              <a:rPr lang="fr-FR" dirty="0" smtClean="0"/>
+              <a:rPr lang="fr-FR" dirty="0"/>
               <a:t>Exemple</a:t>
             </a:r>
-            <a:endParaRPr lang="fr-FR" dirty="0"/>
           </a:p>
         </p:txBody>
       </p:sp>
@@ -7544,10 +7225,9 @@
           <a:lstStyle/>
           <a:p>
             <a:r>
-              <a:rPr lang="fr-FR" dirty="0" smtClean="0"/>
+              <a:rPr lang="fr-FR" dirty="0"/>
               <a:t>No Free Lunch</a:t>
             </a:r>
-            <a:endParaRPr lang="fr-FR" dirty="0"/>
           </a:p>
         </p:txBody>
       </p:sp>
@@ -7568,15 +7248,7 @@
           <a:p>
             <a:r>
               <a:rPr lang="fr-FR" dirty="0"/>
-              <a:t>Le théorème du "No Free Lunch" </a:t>
-            </a:r>
-            <a:r>
-              <a:rPr lang="fr-FR" dirty="0" smtClean="0"/>
-              <a:t>est </a:t>
-            </a:r>
-            <a:r>
-              <a:rPr lang="fr-FR" dirty="0"/>
-              <a:t>la raison pour laquelle on va encore avoir besoin des data </a:t>
+              <a:t>Le théorème du "No Free Lunch" est la raison pour laquelle on va encore avoir besoin des data </a:t>
             </a:r>
             <a:r>
               <a:rPr lang="fr-FR" dirty="0" err="1"/>
@@ -7584,38 +7256,21 @@
             </a:r>
             <a:r>
               <a:rPr lang="fr-FR" dirty="0"/>
-              <a:t> pour un bon bout de temps </a:t>
-            </a:r>
-            <a:r>
-              <a:rPr lang="fr-FR" dirty="0" smtClean="0"/>
-              <a:t>!</a:t>
-            </a:r>
-            <a:endParaRPr lang="fr-FR" dirty="0"/>
+              <a:t> pour un bon bout de temps !</a:t>
+            </a:r>
           </a:p>
           <a:p>
             <a:pPr lvl="1"/>
             <a:r>
-              <a:rPr lang="fr-FR" dirty="0" smtClean="0"/>
-              <a:t>En </a:t>
-            </a:r>
-            <a:r>
-              <a:rPr lang="fr-FR" dirty="0"/>
-              <a:t>essence, ce théorème statue qu'aucun modèle et algorithme ne fonctionne bien pour tous les </a:t>
-            </a:r>
-            <a:r>
-              <a:rPr lang="fr-FR" dirty="0" smtClean="0"/>
-              <a:t>problèmes</a:t>
+              <a:rPr lang="fr-FR" dirty="0"/>
+              <a:t>En essence, ce théorème statue qu'aucun modèle et algorithme ne fonctionne bien pour tous les problèmes</a:t>
             </a:r>
           </a:p>
           <a:p>
             <a:pPr lvl="1"/>
             <a:r>
-              <a:rPr lang="fr-FR" dirty="0" smtClean="0"/>
-              <a:t>En </a:t>
-            </a:r>
-            <a:r>
-              <a:rPr lang="fr-FR" dirty="0"/>
-              <a:t>d'autres termes, si un algorithme de machine </a:t>
+              <a:rPr lang="fr-FR" dirty="0"/>
+              <a:t>En d'autres termes, si un algorithme de machine </a:t>
             </a:r>
             <a:r>
               <a:rPr lang="fr-FR" dirty="0" err="1"/>
@@ -7629,10 +7284,9 @@
           <a:p>
             <a:pPr lvl="1"/>
             <a:r>
-              <a:rPr lang="fr-FR" dirty="0" smtClean="0"/>
+              <a:rPr lang="fr-FR" dirty="0"/>
               <a:t>.</a:t>
             </a:r>
-            <a:endParaRPr lang="fr-FR" dirty="0"/>
           </a:p>
         </p:txBody>
       </p:sp>
@@ -7682,10 +7336,9 @@
           <a:lstStyle/>
           <a:p>
             <a:r>
-              <a:rPr lang="fr-FR" dirty="0" smtClean="0"/>
+              <a:rPr lang="fr-FR" dirty="0"/>
               <a:t>Choix du modèle</a:t>
             </a:r>
-            <a:endParaRPr lang="fr-FR" dirty="0"/>
           </a:p>
         </p:txBody>
       </p:sp>
@@ -7761,11 +7414,11 @@
           <a:lstStyle/>
           <a:p>
             <a:r>
-              <a:rPr lang="fr-FR" dirty="0" smtClean="0"/>
+              <a:rPr lang="fr-FR" dirty="0"/>
               <a:t>Démarrer le machine </a:t>
             </a:r>
             <a:r>
-              <a:rPr lang="fr-FR" dirty="0" err="1" smtClean="0"/>
+              <a:rPr lang="fr-FR" dirty="0" err="1"/>
               <a:t>learning</a:t>
             </a:r>
             <a:endParaRPr lang="fr-FR" dirty="0"/>
@@ -7788,37 +7441,33 @@
           <a:lstStyle/>
           <a:p>
             <a:r>
-              <a:rPr lang="fr-FR" dirty="0" smtClean="0"/>
+              <a:rPr lang="fr-FR" dirty="0"/>
               <a:t>Nous avons un </a:t>
             </a:r>
             <a:r>
-              <a:rPr lang="fr-FR" dirty="0" err="1" smtClean="0"/>
+              <a:rPr lang="fr-FR" dirty="0" err="1"/>
               <a:t>datalake</a:t>
             </a:r>
-            <a:endParaRPr lang="fr-FR" dirty="0" smtClean="0"/>
-          </a:p>
-          <a:p>
-            <a:r>
-              <a:rPr lang="fr-FR" dirty="0" smtClean="0"/>
+            <a:endParaRPr lang="fr-FR" dirty="0"/>
+          </a:p>
+          <a:p>
+            <a:r>
+              <a:rPr lang="fr-FR" dirty="0"/>
               <a:t>Nous avons le </a:t>
             </a:r>
             <a:r>
-              <a:rPr lang="fr-FR" dirty="0" err="1" smtClean="0"/>
+              <a:rPr lang="fr-FR" dirty="0" err="1"/>
               <a:t>datamart</a:t>
             </a:r>
             <a:r>
-              <a:rPr lang="fr-FR" dirty="0" smtClean="0"/>
+              <a:rPr lang="fr-FR" dirty="0"/>
               <a:t> structuré et nettoyé</a:t>
             </a:r>
           </a:p>
           <a:p>
             <a:r>
-              <a:rPr lang="fr-FR" dirty="0" smtClean="0"/>
-              <a:t>L’objectif </a:t>
-            </a:r>
-            <a:r>
-              <a:rPr lang="fr-FR" dirty="0"/>
-              <a:t>du machine </a:t>
+              <a:rPr lang="fr-FR" dirty="0"/>
+              <a:t>L’objectif du machine </a:t>
             </a:r>
             <a:r>
               <a:rPr lang="fr-FR" dirty="0" err="1"/>
@@ -7826,38 +7475,26 @@
             </a:r>
             <a:r>
               <a:rPr lang="fr-FR" dirty="0"/>
-              <a:t> est de trouver un modèle qui effectue une approximation de la </a:t>
-            </a:r>
-            <a:r>
-              <a:rPr lang="fr-FR" dirty="0" smtClean="0"/>
-              <a:t>réalité, </a:t>
-            </a:r>
-            <a:r>
-              <a:rPr lang="fr-FR" dirty="0"/>
-              <a:t>à l’aide de laquelle on va pouvoir effectuer des </a:t>
-            </a:r>
-            <a:r>
-              <a:rPr lang="fr-FR" dirty="0" smtClean="0"/>
-              <a:t>prédictions</a:t>
-            </a:r>
-          </a:p>
-          <a:p>
-            <a:r>
-              <a:rPr lang="fr-FR" dirty="0" smtClean="0"/>
+              <a:t> est de trouver un modèle qui effectue une approximation de la réalité, à l’aide de laquelle on va pouvoir effectuer des prédictions</a:t>
+            </a:r>
+          </a:p>
+          <a:p>
+            <a:r>
+              <a:rPr lang="fr-FR" dirty="0"/>
               <a:t>DATA = Model + Bruit</a:t>
             </a:r>
           </a:p>
           <a:p>
             <a:pPr lvl="1"/>
             <a:r>
-              <a:rPr lang="fr-FR" dirty="0" smtClean="0"/>
+              <a:rPr lang="fr-FR" dirty="0"/>
               <a:t>Model = cercle</a:t>
             </a:r>
           </a:p>
           <a:p>
             <a:pPr lvl="1"/>
             <a:r>
-              <a:rPr lang="fr-FR" dirty="0" smtClean="0"/>
+              <a:rPr lang="fr-FR" dirty="0"/>
               <a:t>Bruit = écart data réelle vs cercle</a:t>
             </a:r>
           </a:p>
@@ -7953,10 +7590,9 @@
           <a:lstStyle/>
           <a:p>
             <a:r>
-              <a:rPr lang="fr-FR" dirty="0" smtClean="0"/>
+              <a:rPr lang="fr-FR" dirty="0"/>
               <a:t>But</a:t>
             </a:r>
-            <a:endParaRPr lang="fr-FR" dirty="0"/>
           </a:p>
         </p:txBody>
       </p:sp>
@@ -7985,39 +7621,19 @@
             </a:r>
             <a:r>
               <a:rPr lang="fr-FR" dirty="0"/>
-              <a:t> et en data science plus généralement, l'objectif est de trouver un modèle </a:t>
-            </a:r>
-            <a:r>
-              <a:rPr lang="fr-FR" dirty="0" smtClean="0"/>
-              <a:t>du </a:t>
-            </a:r>
-            <a:r>
-              <a:rPr lang="fr-FR" dirty="0"/>
-              <a:t>phénomène à l'origine des </a:t>
-            </a:r>
-            <a:r>
-              <a:rPr lang="fr-FR" dirty="0" smtClean="0"/>
-              <a:t>données</a:t>
-            </a:r>
-          </a:p>
-          <a:p>
-            <a:r>
-              <a:rPr lang="fr-FR" dirty="0" smtClean="0"/>
-              <a:t>C'est </a:t>
-            </a:r>
-            <a:r>
-              <a:rPr lang="fr-FR" dirty="0"/>
-              <a:t>à dire qu'on considère que chaque donnée observée est l'expression d'une variable aléatoire générée par une distribution de </a:t>
-            </a:r>
-            <a:r>
-              <a:rPr lang="fr-FR" dirty="0" smtClean="0"/>
-              <a:t>probabilité</a:t>
+              <a:t> et en data science plus généralement, l'objectif est de trouver un modèle du phénomène à l'origine des données</a:t>
+            </a:r>
+          </a:p>
+          <a:p>
+            <a:r>
+              <a:rPr lang="fr-FR" dirty="0"/>
+              <a:t>C'est à dire qu'on considère que chaque donnée observée est l'expression d'une variable aléatoire générée par une distribution de probabilité</a:t>
             </a:r>
           </a:p>
           <a:p>
             <a:pPr lvl="1"/>
             <a:r>
-              <a:rPr lang="fr-FR" smtClean="0"/>
+              <a:rPr lang="fr-FR"/>
               <a:t>Par exemple les sondages</a:t>
             </a:r>
             <a:endParaRPr lang="fr-FR" dirty="0"/>
@@ -8070,7 +7686,7 @@
           <a:lstStyle/>
           <a:p>
             <a:r>
-              <a:rPr lang="fr-FR" dirty="0" err="1" smtClean="0"/>
+              <a:rPr lang="fr-FR" dirty="0" err="1"/>
               <a:t>Loss</a:t>
             </a:r>
             <a:endParaRPr lang="fr-FR" dirty="0"/>
@@ -8102,29 +7718,13 @@
             </a:r>
             <a:r>
               <a:rPr lang="fr-FR" dirty="0"/>
-              <a:t> en anglais) due à l'approximation </a:t>
-            </a:r>
-            <a:r>
-              <a:rPr lang="fr-FR" dirty="0" smtClean="0"/>
-              <a:t>du modèle</a:t>
-            </a:r>
-          </a:p>
-          <a:p>
-            <a:r>
-              <a:rPr lang="fr-FR" dirty="0" smtClean="0"/>
-              <a:t>Elle </a:t>
-            </a:r>
-            <a:r>
-              <a:rPr lang="fr-FR" dirty="0"/>
-              <a:t>détermine à quel point notre modélisation du phénomène, qui est une approximation de la </a:t>
-            </a:r>
-            <a:r>
-              <a:rPr lang="fr-FR" dirty="0" smtClean="0"/>
-              <a:t>réalité (régression), </a:t>
-            </a:r>
-            <a:r>
-              <a:rPr lang="fr-FR" dirty="0"/>
-              <a:t>perd de l’information par rapport à la réalité observée à travers les données d’exemple</a:t>
+              <a:t> en anglais) due à l'approximation du modèle</a:t>
+            </a:r>
+          </a:p>
+          <a:p>
+            <a:r>
+              <a:rPr lang="fr-FR" dirty="0"/>
+              <a:t>Elle détermine à quel point notre modélisation du phénomène, qui est une approximation de la réalité (régression), perd de l’information par rapport à la réalité observée à travers les données d’exemple</a:t>
             </a:r>
           </a:p>
         </p:txBody>
@@ -8175,10 +7775,9 @@
           <a:lstStyle/>
           <a:p>
             <a:r>
-              <a:rPr lang="fr-FR" dirty="0" smtClean="0"/>
+              <a:rPr lang="fr-FR" dirty="0"/>
               <a:t>Erreur</a:t>
             </a:r>
-            <a:endParaRPr lang="fr-FR" dirty="0"/>
           </a:p>
         </p:txBody>
       </p:sp>
@@ -8198,17 +7797,16 @@
           <a:lstStyle/>
           <a:p>
             <a:r>
-              <a:rPr lang="fr-FR" dirty="0" smtClean="0"/>
+              <a:rPr lang="fr-FR" dirty="0"/>
               <a:t>L’erreur (ou le risque) est l’écart entre la données et le modèle</a:t>
             </a:r>
           </a:p>
           <a:p>
             <a:pPr lvl="1"/>
             <a:r>
-              <a:rPr lang="fr-FR" dirty="0" smtClean="0"/>
+              <a:rPr lang="fr-FR" dirty="0"/>
               <a:t>Risque réduit à gauche, important à droite</a:t>
             </a:r>
-            <a:endParaRPr lang="fr-FR" dirty="0"/>
           </a:p>
         </p:txBody>
       </p:sp>
@@ -8299,10 +7897,9 @@
           <a:lstStyle/>
           <a:p>
             <a:r>
-              <a:rPr lang="fr-FR" dirty="0" smtClean="0"/>
+              <a:rPr lang="fr-FR" dirty="0"/>
               <a:t>Erreur quadratique</a:t>
             </a:r>
-            <a:endParaRPr lang="fr-FR" dirty="0"/>
           </a:p>
         </p:txBody>
       </p:sp>
@@ -8323,77 +7920,43 @@
           <a:p>
             <a:r>
               <a:rPr lang="fr-FR" dirty="0"/>
-              <a:t>La distance la plus utilisée pour mesurer cet éloignement est l’erreur </a:t>
-            </a:r>
-            <a:r>
-              <a:rPr lang="fr-FR" dirty="0" smtClean="0"/>
-              <a:t>quadratique</a:t>
-            </a:r>
-            <a:endParaRPr lang="fr-FR" dirty="0"/>
+              <a:t>La distance la plus utilisée pour mesurer cet éloignement est l’erreur quadratique</a:t>
+            </a:r>
           </a:p>
           <a:p>
             <a:pPr lvl="1"/>
             <a:r>
-              <a:rPr lang="fr-FR" dirty="0" smtClean="0"/>
-              <a:t>la </a:t>
-            </a:r>
-            <a:r>
-              <a:rPr lang="fr-FR" dirty="0"/>
-              <a:t>distance euclidienne entre un point et le </a:t>
-            </a:r>
-            <a:r>
-              <a:rPr lang="fr-FR" dirty="0" smtClean="0"/>
-              <a:t>modèle</a:t>
-            </a:r>
-            <a:endParaRPr lang="fr-FR" dirty="0"/>
-          </a:p>
-          <a:p>
-            <a:r>
-              <a:rPr lang="fr-FR" dirty="0"/>
-              <a:t>Souvent, on ne peut pas calculer directement l’erreur mais on va utiliser une approximation à partir des données qui sont notre seule </a:t>
-            </a:r>
-            <a:r>
-              <a:rPr lang="fr-FR" dirty="0" smtClean="0"/>
-              <a:t>ressource</a:t>
+              <a:rPr lang="fr-FR" dirty="0"/>
+              <a:t>la distance euclidienne entre un point et le modèle</a:t>
+            </a:r>
+          </a:p>
+          <a:p>
+            <a:r>
+              <a:rPr lang="fr-FR" dirty="0"/>
+              <a:t>Souvent, on ne peut pas calculer directement l’erreur mais on va utiliser une approximation à partir des données qui sont notre seule ressource</a:t>
             </a:r>
           </a:p>
           <a:p>
             <a:pPr lvl="1"/>
             <a:r>
-              <a:rPr lang="fr-FR" dirty="0" smtClean="0"/>
-              <a:t>On </a:t>
-            </a:r>
-            <a:r>
-              <a:rPr lang="fr-FR" dirty="0"/>
-              <a:t>va ainsi sommer sur toutes nos données d’exemples l’erreur effectuée du </a:t>
-            </a:r>
-            <a:r>
-              <a:rPr lang="fr-FR" dirty="0" smtClean="0"/>
-              <a:t>modèle</a:t>
+              <a:rPr lang="fr-FR" dirty="0"/>
+              <a:t>On va ainsi sommer sur toutes nos données d’exemples l’erreur effectuée du modèle</a:t>
             </a:r>
           </a:p>
           <a:p>
             <a:pPr lvl="1"/>
             <a:r>
-              <a:rPr lang="fr-FR" dirty="0" smtClean="0"/>
-              <a:t>On </a:t>
-            </a:r>
-            <a:r>
-              <a:rPr lang="fr-FR" dirty="0"/>
-              <a:t>appelle cette erreur le risque </a:t>
-            </a:r>
-            <a:r>
-              <a:rPr lang="fr-FR" dirty="0" smtClean="0"/>
-              <a:t>empirique</a:t>
-            </a:r>
-          </a:p>
-          <a:p>
-            <a:r>
-              <a:rPr lang="fr-FR" dirty="0" smtClean="0"/>
+              <a:rPr lang="fr-FR" dirty="0"/>
+              <a:t>On appelle cette erreur le risque empirique</a:t>
+            </a:r>
+          </a:p>
+          <a:p>
+            <a:r>
+              <a:rPr lang="fr-FR" dirty="0"/>
               <a:t>Le but étant de minimiser la moyenne de </a:t>
             </a:r>
             <a:r>
-              <a:rPr lang="fr-FR" smtClean="0"/>
+              <a:rPr lang="fr-FR"/>
               <a:t>l’erreur quadratique</a:t>
             </a:r>
             <a:endParaRPr lang="fr-FR" dirty="0"/>
@@ -8446,10 +8009,9 @@
           <a:lstStyle/>
           <a:p>
             <a:r>
-              <a:rPr lang="fr-FR" dirty="0" smtClean="0"/>
+              <a:rPr lang="fr-FR" dirty="0"/>
               <a:t>Problème non modélisables</a:t>
             </a:r>
-            <a:endParaRPr lang="fr-FR" dirty="0"/>
           </a:p>
         </p:txBody>
       </p:sp>
@@ -8469,47 +8031,47 @@
           <a:lstStyle/>
           <a:p>
             <a:r>
-              <a:rPr lang="fr-FR" dirty="0" smtClean="0"/>
+              <a:rPr lang="fr-FR" dirty="0"/>
               <a:t>Certains problèmes ne sont pas modélisable par une régression</a:t>
             </a:r>
           </a:p>
           <a:p>
             <a:pPr lvl="1"/>
             <a:r>
-              <a:rPr lang="fr-FR" dirty="0" smtClean="0"/>
+              <a:rPr lang="fr-FR" dirty="0"/>
               <a:t>Non rationnel : Pi, nombres premiers</a:t>
             </a:r>
           </a:p>
           <a:p>
             <a:pPr lvl="1"/>
             <a:r>
-              <a:rPr lang="fr-FR" dirty="0" smtClean="0"/>
+              <a:rPr lang="fr-FR" dirty="0"/>
               <a:t>Fortement dispersé : </a:t>
             </a:r>
             <a:r>
-              <a:rPr lang="fr-FR" dirty="0" err="1" smtClean="0"/>
+              <a:rPr lang="fr-FR" dirty="0" err="1"/>
               <a:t>Random</a:t>
             </a:r>
-            <a:endParaRPr lang="fr-FR" dirty="0" smtClean="0"/>
+            <a:endParaRPr lang="fr-FR" dirty="0"/>
           </a:p>
           <a:p>
             <a:pPr lvl="1"/>
             <a:r>
-              <a:rPr lang="fr-FR" dirty="0" smtClean="0"/>
+              <a:rPr lang="fr-FR" dirty="0"/>
               <a:t>Ici </a:t>
             </a:r>
             <a:r>
-              <a:rPr lang="fr-FR" dirty="0" err="1" smtClean="0"/>
+              <a:rPr lang="fr-FR" dirty="0" err="1"/>
               <a:t>random.rand</a:t>
             </a:r>
             <a:r>
-              <a:rPr lang="fr-FR" dirty="0" smtClean="0"/>
+              <a:rPr lang="fr-FR" dirty="0"/>
               <a:t>(30) et les 40000 premiers nombres premiers sur une grille 200 x 200</a:t>
             </a:r>
           </a:p>
           <a:p>
             <a:pPr lvl="1"/>
-            <a:endParaRPr lang="fr-FR" dirty="0" smtClean="0"/>
+            <a:endParaRPr lang="fr-FR" dirty="0"/>
           </a:p>
         </p:txBody>
       </p:sp>
@@ -8641,14 +8203,13 @@
           <a:lstStyle/>
           <a:p>
             <a:r>
-              <a:rPr lang="fr-FR" dirty="0" err="1" smtClean="0"/>
+              <a:rPr lang="fr-FR" dirty="0" err="1"/>
               <a:t>Edmunt</a:t>
             </a:r>
             <a:r>
-              <a:rPr lang="fr-FR" dirty="0" smtClean="0"/>
+              <a:rPr lang="fr-FR" dirty="0"/>
               <a:t> Husserl</a:t>
             </a:r>
-            <a:endParaRPr lang="fr-FR" dirty="0"/>
           </a:p>
         </p:txBody>
       </p:sp>
@@ -8668,14 +8229,9 @@
           <a:lstStyle/>
           <a:p>
             <a:r>
-              <a:rPr lang="fr-FR" dirty="0" smtClean="0"/>
-              <a:t>«</a:t>
-            </a:r>
-            <a:r>
-              <a:rPr lang="fr-FR" dirty="0"/>
-              <a:t> Les modèles sont les habits des idées, il y a toujours un modèle qui peut faire croire que votre idée est juste. »</a:t>
-            </a:r>
-            <a:endParaRPr lang="fr-FR" dirty="0"/>
+              <a:rPr lang="fr-FR" dirty="0"/>
+              <a:t>« Les modèles sont les habits des idées, il y a toujours un modèle qui peut faire croire que votre idée est juste. »</a:t>
+            </a:r>
           </a:p>
         </p:txBody>
       </p:sp>
@@ -8725,10 +8281,9 @@
           <a:lstStyle/>
           <a:p>
             <a:r>
-              <a:rPr lang="fr-FR" dirty="0" smtClean="0"/>
+              <a:rPr lang="fr-FR" dirty="0"/>
               <a:t>Considération sur les tailles</a:t>
             </a:r>
-            <a:endParaRPr lang="fr-FR" dirty="0"/>
           </a:p>
         </p:txBody>
       </p:sp>
@@ -8748,54 +8303,54 @@
           <a:lstStyle/>
           <a:p>
             <a:r>
-              <a:rPr lang="fr-FR" dirty="0" smtClean="0"/>
+              <a:rPr lang="fr-FR" dirty="0"/>
               <a:t>Les processeurs d’aujourd’hui en en 64 bits (x64)</a:t>
             </a:r>
           </a:p>
           <a:p>
             <a:pPr lvl="1"/>
             <a:r>
-              <a:rPr lang="fr-FR" dirty="0" smtClean="0"/>
+              <a:rPr lang="fr-FR" dirty="0"/>
               <a:t>Les GPU sont sur 128 bits</a:t>
             </a:r>
           </a:p>
           <a:p>
             <a:pPr lvl="1"/>
             <a:r>
-              <a:rPr lang="fr-FR" dirty="0" smtClean="0"/>
+              <a:rPr lang="fr-FR" dirty="0"/>
               <a:t>Les anciens processeurs sur 32 bits</a:t>
             </a:r>
           </a:p>
           <a:p>
             <a:pPr lvl="1"/>
             <a:r>
-              <a:rPr lang="fr-FR" dirty="0" smtClean="0"/>
+              <a:rPr lang="fr-FR" dirty="0"/>
               <a:t>Python existe en version 32 et 64 bits</a:t>
             </a:r>
           </a:p>
           <a:p>
             <a:r>
-              <a:rPr lang="fr-FR" dirty="0" smtClean="0"/>
+              <a:rPr lang="fr-FR" dirty="0"/>
               <a:t>Un processeur 32 bits ne peut adresser que 2^32 bits soit 4Gbit</a:t>
             </a:r>
           </a:p>
           <a:p>
             <a:pPr lvl="1"/>
             <a:r>
-              <a:rPr lang="fr-FR" dirty="0" smtClean="0"/>
+              <a:rPr lang="fr-FR" dirty="0"/>
               <a:t>Une adresse mémoire est souvent sur 1 octet ce qui donne 4Go de mémoire maximum, sachant que près de la moitié est pris par l’OS</a:t>
             </a:r>
           </a:p>
           <a:p>
             <a:r>
-              <a:rPr lang="fr-FR" dirty="0" smtClean="0"/>
+              <a:rPr lang="fr-FR" dirty="0"/>
               <a:t>Un processeur 64 bits sait adressé 8000 </a:t>
             </a:r>
             <a:r>
-              <a:rPr lang="fr-FR" dirty="0" err="1" smtClean="0"/>
+              <a:rPr lang="fr-FR" dirty="0" err="1"/>
               <a:t>Pbit</a:t>
             </a:r>
-            <a:endParaRPr lang="fr-FR" dirty="0" smtClean="0"/>
+            <a:endParaRPr lang="fr-FR" dirty="0"/>
           </a:p>
         </p:txBody>
       </p:sp>
@@ -8845,10 +8400,9 @@
           <a:lstStyle/>
           <a:p>
             <a:r>
-              <a:rPr lang="fr-FR" dirty="0" smtClean="0"/>
+              <a:rPr lang="fr-FR" dirty="0"/>
               <a:t>Considération sur les tailles</a:t>
             </a:r>
-            <a:endParaRPr lang="fr-FR" dirty="0"/>
           </a:p>
         </p:txBody>
       </p:sp>
@@ -8868,54 +8422,54 @@
           <a:lstStyle/>
           <a:p>
             <a:r>
-              <a:rPr lang="fr-FR" sz="2400" dirty="0" smtClean="0"/>
+              <a:rPr lang="fr-FR" sz="2400" dirty="0"/>
               <a:t>En Python un flottant fait 32 bits</a:t>
             </a:r>
           </a:p>
           <a:p>
             <a:pPr lvl="1"/>
             <a:r>
-              <a:rPr lang="fr-FR" sz="2000" dirty="0" smtClean="0"/>
+              <a:rPr lang="fr-FR" sz="2000" dirty="0"/>
               <a:t>Sachant que la moitié des ressources est pris par l’OS et qu’une liste de valeur est amené à être dupliqué au moins une fois</a:t>
             </a:r>
           </a:p>
           <a:p>
             <a:pPr lvl="1"/>
             <a:r>
-              <a:rPr lang="fr-FR" sz="2000" dirty="0" smtClean="0"/>
+              <a:rPr lang="fr-FR" sz="2000" dirty="0"/>
               <a:t>Python 32 bits sait géré 10**8 flottants</a:t>
             </a:r>
           </a:p>
           <a:p>
             <a:pPr lvl="1"/>
             <a:r>
-              <a:rPr lang="fr-FR" sz="2000" dirty="0" smtClean="0"/>
+              <a:rPr lang="fr-FR" sz="2000" dirty="0"/>
               <a:t>Python 64 bits sait géré 10**18 flottants</a:t>
             </a:r>
           </a:p>
           <a:p>
             <a:r>
-              <a:rPr lang="fr-FR" sz="2400" dirty="0" smtClean="0"/>
+              <a:rPr lang="fr-FR" sz="2400" dirty="0"/>
               <a:t>Une image 28 * 28 * 16 niveaux de gris fait 3Ko</a:t>
             </a:r>
           </a:p>
           <a:p>
             <a:pPr lvl="1"/>
             <a:r>
-              <a:rPr lang="fr-FR" sz="2000" dirty="0" smtClean="0"/>
+              <a:rPr lang="fr-FR" sz="2000" dirty="0"/>
               <a:t>Python 32 bits sait géré 333 000 images</a:t>
             </a:r>
           </a:p>
           <a:p>
             <a:pPr lvl="1"/>
             <a:r>
-              <a:rPr lang="fr-FR" sz="2000" dirty="0" smtClean="0"/>
+              <a:rPr lang="fr-FR" sz="2000" dirty="0"/>
               <a:t>Python 64 bits sait géré 10**15 images</a:t>
             </a:r>
           </a:p>
           <a:p>
             <a:r>
-              <a:rPr lang="fr-FR" sz="2400" dirty="0" smtClean="0"/>
+              <a:rPr lang="fr-FR" sz="2400" dirty="0"/>
               <a:t>Une image 1024 * 768 en couleur RAW fait 3Mo</a:t>
             </a:r>
           </a:p>
@@ -8923,29 +8477,20 @@
             <a:pPr lvl="1"/>
             <a:r>
               <a:rPr lang="fr-FR" sz="2000" dirty="0"/>
-              <a:t>Python 32 bits sait géré 333 </a:t>
-            </a:r>
-            <a:r>
-              <a:rPr lang="fr-FR" sz="2000" dirty="0" smtClean="0"/>
-              <a:t>images</a:t>
-            </a:r>
-            <a:endParaRPr lang="fr-FR" sz="2000" dirty="0"/>
+              <a:t>Python 32 bits sait géré 333 images</a:t>
+            </a:r>
           </a:p>
           <a:p>
             <a:pPr lvl="1"/>
             <a:r>
               <a:rPr lang="fr-FR" sz="2000" dirty="0"/>
-              <a:t>Python 64 bits sait géré 10**</a:t>
-            </a:r>
-            <a:r>
-              <a:rPr lang="fr-FR" sz="2000" dirty="0" smtClean="0"/>
-              <a:t>12 images</a:t>
-            </a:r>
-          </a:p>
-          <a:p>
-            <a:r>
-              <a:rPr lang="fr-FR" sz="2400" dirty="0" smtClean="0"/>
-              <a:t>Une image 4K RAW fait 16Mo</a:t>
+              <a:t>Python 64 bits sait géré 10**12 images</a:t>
+            </a:r>
+          </a:p>
+          <a:p>
+            <a:r>
+              <a:rPr lang="fr-FR" sz="2400" dirty="0"/>
+              <a:t>Une image 4K fait 16Mo</a:t>
             </a:r>
           </a:p>
           <a:p>
@@ -8956,7 +8501,7 @@
           </a:p>
           <a:p>
             <a:pPr lvl="1"/>
-            <a:endParaRPr lang="fr-FR" sz="2000" dirty="0" smtClean="0"/>
+            <a:endParaRPr lang="fr-FR" sz="2000" dirty="0"/>
           </a:p>
         </p:txBody>
       </p:sp>
@@ -9006,10 +8551,9 @@
           <a:lstStyle/>
           <a:p>
             <a:r>
-              <a:rPr lang="fr-FR" dirty="0" smtClean="0"/>
+              <a:rPr lang="fr-FR" dirty="0"/>
               <a:t>Pur rappel</a:t>
             </a:r>
-            <a:endParaRPr lang="fr-FR" dirty="0"/>
           </a:p>
         </p:txBody>
       </p:sp>
@@ -9085,10 +8629,9 @@
           <a:lstStyle/>
           <a:p>
             <a:r>
-              <a:rPr lang="fr-FR" dirty="0" smtClean="0"/>
+              <a:rPr lang="fr-FR" dirty="0"/>
               <a:t>Prétraitement</a:t>
             </a:r>
-            <a:endParaRPr lang="fr-FR" dirty="0"/>
           </a:p>
         </p:txBody>
       </p:sp>
@@ -9108,36 +8651,35 @@
           <a:lstStyle/>
           <a:p>
             <a:r>
-              <a:rPr lang="fr-FR" dirty="0" smtClean="0"/>
+              <a:rPr lang="fr-FR" dirty="0"/>
               <a:t>Si un problème est trop long à résoudre il faut le simplifier</a:t>
             </a:r>
           </a:p>
           <a:p>
             <a:r>
-              <a:rPr lang="fr-FR" dirty="0" smtClean="0"/>
+              <a:rPr lang="fr-FR" dirty="0"/>
               <a:t>Une fois les données nettoyée on peut les prétraitées</a:t>
             </a:r>
           </a:p>
           <a:p>
             <a:r>
-              <a:rPr lang="fr-FR" dirty="0" smtClean="0"/>
+              <a:rPr lang="fr-FR" dirty="0"/>
               <a:t>En prétraitant des données leur traitement sera facilité</a:t>
             </a:r>
           </a:p>
           <a:p>
             <a:pPr lvl="1"/>
             <a:r>
-              <a:rPr lang="fr-FR" dirty="0" smtClean="0"/>
+              <a:rPr lang="fr-FR" dirty="0"/>
               <a:t>Ici le seuillage d’une image</a:t>
             </a:r>
           </a:p>
           <a:p>
             <a:pPr lvl="1"/>
             <a:r>
-              <a:rPr lang="fr-FR" dirty="0" smtClean="0"/>
+              <a:rPr lang="fr-FR" dirty="0"/>
               <a:t>Taille abaissé (4 bits -&gt; 1 bit)</a:t>
             </a:r>
-            <a:endParaRPr lang="fr-FR" dirty="0"/>
           </a:p>
         </p:txBody>
       </p:sp>
@@ -9228,10 +8770,9 @@
           <a:lstStyle/>
           <a:p>
             <a:r>
-              <a:rPr lang="fr-FR" dirty="0" smtClean="0"/>
+              <a:rPr lang="fr-FR" dirty="0"/>
               <a:t>Exemple</a:t>
             </a:r>
-            <a:endParaRPr lang="fr-FR" dirty="0"/>
           </a:p>
         </p:txBody>
       </p:sp>
@@ -9251,26 +8792,14 @@
           <a:lstStyle/>
           <a:p>
             <a:r>
-              <a:rPr lang="fr-FR" dirty="0" smtClean="0"/>
-              <a:t>Imaginez </a:t>
-            </a:r>
-            <a:r>
-              <a:rPr lang="fr-FR" dirty="0"/>
-              <a:t>que vous voulez savoir si vous payez trop cher votre </a:t>
-            </a:r>
-            <a:r>
-              <a:rPr lang="fr-FR" dirty="0" smtClean="0"/>
-              <a:t>loyer</a:t>
-            </a:r>
-          </a:p>
-          <a:p>
-            <a:r>
-              <a:rPr lang="fr-FR" dirty="0" smtClean="0"/>
-              <a:t>Vous </a:t>
-            </a:r>
-            <a:r>
-              <a:rPr lang="fr-FR" dirty="0"/>
-              <a:t>avez récupéré sur un site de location une trentaine de prix des locations disponibles, ainsi que la surface associée</a:t>
+              <a:rPr lang="fr-FR" dirty="0"/>
+              <a:t>Imaginez que vous voulez savoir si vous payez trop cher votre loyer</a:t>
+            </a:r>
+          </a:p>
+          <a:p>
+            <a:r>
+              <a:rPr lang="fr-FR" dirty="0"/>
+              <a:t>Vous avez récupéré sur un site de location une trentaine de prix des locations disponibles, ainsi que la surface associée</a:t>
             </a:r>
           </a:p>
         </p:txBody>
@@ -9345,10 +8874,9 @@
           <a:lstStyle/>
           <a:p>
             <a:r>
-              <a:rPr lang="fr-FR" dirty="0" smtClean="0"/>
+              <a:rPr lang="fr-FR" dirty="0"/>
               <a:t>Graphique</a:t>
             </a:r>
-            <a:endParaRPr lang="fr-FR" dirty="0"/>
           </a:p>
         </p:txBody>
       </p:sp>
@@ -9368,10 +8896,9 @@
           <a:lstStyle/>
           <a:p>
             <a:r>
-              <a:rPr lang="fr-FR" dirty="0" smtClean="0"/>
+              <a:rPr lang="fr-FR" dirty="0"/>
               <a:t>Surface / Loyer</a:t>
             </a:r>
-            <a:endParaRPr lang="fr-FR" dirty="0"/>
           </a:p>
         </p:txBody>
       </p:sp>
@@ -9462,10 +8989,9 @@
           <a:lstStyle/>
           <a:p>
             <a:r>
-              <a:rPr lang="fr-FR" dirty="0" smtClean="0"/>
+              <a:rPr lang="fr-FR" dirty="0"/>
               <a:t>Régression</a:t>
             </a:r>
-            <a:endParaRPr lang="fr-FR" dirty="0"/>
           </a:p>
         </p:txBody>
       </p:sp>
@@ -9485,49 +9011,49 @@
           <a:lstStyle/>
           <a:p>
             <a:r>
-              <a:rPr lang="fr-FR" dirty="0" smtClean="0"/>
+              <a:rPr lang="fr-FR" dirty="0"/>
               <a:t>Une régression est une formule mathématique qui étudie des données réelle d’une manière proche de la réalité mais simplifiée</a:t>
             </a:r>
           </a:p>
           <a:p>
             <a:r>
-              <a:rPr lang="fr-FR" dirty="0" smtClean="0"/>
+              <a:rPr lang="fr-FR" dirty="0"/>
               <a:t>Différent types</a:t>
             </a:r>
           </a:p>
           <a:p>
             <a:pPr lvl="1"/>
             <a:r>
-              <a:rPr lang="fr-FR" dirty="0" smtClean="0"/>
+              <a:rPr lang="fr-FR" dirty="0"/>
               <a:t>Linéaire</a:t>
             </a:r>
           </a:p>
           <a:p>
             <a:pPr lvl="1"/>
             <a:r>
-              <a:rPr lang="fr-FR" dirty="0" smtClean="0"/>
+              <a:rPr lang="fr-FR" dirty="0"/>
               <a:t>Second degré</a:t>
             </a:r>
           </a:p>
           <a:p>
             <a:pPr lvl="1"/>
             <a:r>
-              <a:rPr lang="fr-FR" dirty="0" smtClean="0"/>
+              <a:rPr lang="fr-FR" dirty="0"/>
               <a:t>Polynomiale</a:t>
             </a:r>
           </a:p>
           <a:p>
             <a:pPr lvl="1"/>
             <a:r>
-              <a:rPr lang="fr-FR" dirty="0" err="1" smtClean="0"/>
+              <a:rPr lang="fr-FR" dirty="0" err="1"/>
               <a:t>Sinusoidale</a:t>
             </a:r>
-            <a:endParaRPr lang="fr-FR" dirty="0" smtClean="0"/>
+            <a:endParaRPr lang="fr-FR" dirty="0"/>
           </a:p>
           <a:p>
             <a:pPr lvl="1"/>
             <a:r>
-              <a:rPr lang="fr-FR" dirty="0" smtClean="0"/>
+              <a:rPr lang="fr-FR" dirty="0"/>
               <a:t>Elliptique</a:t>
             </a:r>
           </a:p>
@@ -9579,10 +9105,9 @@
           <a:lstStyle/>
           <a:p>
             <a:r>
-              <a:rPr lang="fr-FR" dirty="0" smtClean="0"/>
+              <a:rPr lang="fr-FR" dirty="0"/>
               <a:t>Régression linéaire</a:t>
             </a:r>
-            <a:endParaRPr lang="fr-FR" dirty="0"/>
           </a:p>
         </p:txBody>
       </p:sp>
@@ -9602,7 +9127,7 @@
           <a:lstStyle/>
           <a:p>
             <a:r>
-              <a:rPr lang="fr-FR" dirty="0" smtClean="0"/>
+              <a:rPr lang="fr-FR" dirty="0"/>
               <a:t>Notre exemple montre une régression linéaire</a:t>
             </a:r>
           </a:p>
@@ -9698,10 +9223,9 @@
           <a:lstStyle/>
           <a:p>
             <a:r>
-              <a:rPr lang="fr-FR" dirty="0" smtClean="0"/>
+              <a:rPr lang="fr-FR" dirty="0"/>
               <a:t>Erreur</a:t>
             </a:r>
-            <a:endParaRPr lang="fr-FR" dirty="0"/>
           </a:p>
         </p:txBody>
       </p:sp>
@@ -9721,7 +9245,7 @@
           <a:lstStyle/>
           <a:p>
             <a:r>
-              <a:rPr lang="fr-FR" dirty="0" smtClean="0"/>
+              <a:rPr lang="fr-FR" dirty="0"/>
               <a:t>Un écart type et un taux de confiance peut être calculé</a:t>
             </a:r>
           </a:p>
@@ -9729,26 +9253,25 @@
             <a:endParaRPr lang="fr-FR" dirty="0"/>
           </a:p>
           <a:p>
-            <a:endParaRPr lang="fr-FR" dirty="0" smtClean="0"/>
-          </a:p>
-          <a:p>
             <a:endParaRPr lang="fr-FR" dirty="0"/>
           </a:p>
           <a:p>
-            <a:endParaRPr lang="fr-FR" dirty="0" smtClean="0"/>
-          </a:p>
-          <a:p>
             <a:endParaRPr lang="fr-FR" dirty="0"/>
           </a:p>
           <a:p>
-            <a:endParaRPr lang="fr-FR" dirty="0" smtClean="0"/>
-          </a:p>
-          <a:p>
-            <a:r>
-              <a:rPr lang="fr-FR" dirty="0" smtClean="0"/>
+            <a:endParaRPr lang="fr-FR" dirty="0"/>
+          </a:p>
+          <a:p>
+            <a:endParaRPr lang="fr-FR" dirty="0"/>
+          </a:p>
+          <a:p>
+            <a:endParaRPr lang="fr-FR" dirty="0"/>
+          </a:p>
+          <a:p>
+            <a:r>
+              <a:rPr lang="fr-FR" dirty="0"/>
               <a:t>Exemple : taux de confiance à 90%</a:t>
             </a:r>
-            <a:endParaRPr lang="fr-FR" dirty="0"/>
           </a:p>
         </p:txBody>
       </p:sp>
